--- a/slides/POC-StrongLoop.pptx
+++ b/slides/POC-StrongLoop.pptx
@@ -4,17 +4,26 @@
   <p:sldMasterIdLst>
     <p:sldMasterId id="2147483648" r:id="rId1"/>
   </p:sldMasterIdLst>
+  <p:notesMasterIdLst>
+    <p:notesMasterId r:id="rId18"/>
+  </p:notesMasterIdLst>
   <p:sldIdLst>
     <p:sldId id="256" r:id="rId2"/>
     <p:sldId id="258" r:id="rId3"/>
     <p:sldId id="260" r:id="rId4"/>
-    <p:sldId id="261" r:id="rId5"/>
-    <p:sldId id="269" r:id="rId6"/>
-    <p:sldId id="263" r:id="rId7"/>
-    <p:sldId id="271" r:id="rId8"/>
-    <p:sldId id="273" r:id="rId9"/>
-    <p:sldId id="272" r:id="rId10"/>
-    <p:sldId id="267" r:id="rId11"/>
+    <p:sldId id="269" r:id="rId5"/>
+    <p:sldId id="263" r:id="rId6"/>
+    <p:sldId id="271" r:id="rId7"/>
+    <p:sldId id="273" r:id="rId8"/>
+    <p:sldId id="272" r:id="rId9"/>
+    <p:sldId id="274" r:id="rId10"/>
+    <p:sldId id="275" r:id="rId11"/>
+    <p:sldId id="277" r:id="rId12"/>
+    <p:sldId id="276" r:id="rId13"/>
+    <p:sldId id="278" r:id="rId14"/>
+    <p:sldId id="279" r:id="rId15"/>
+    <p:sldId id="280" r:id="rId16"/>
+    <p:sldId id="267" r:id="rId17"/>
   </p:sldIdLst>
   <p:sldSz cx="9144000" cy="6858000" type="screen4x3"/>
   <p:notesSz cx="6858000" cy="9144000"/>
@@ -114,6 +123,440 @@
     </a:lvl9pPr>
   </p:defaultTextStyle>
 </p:presentation>
+</file>
+
+<file path=ppt/notesMasters/notesMaster1.xml><?xml version="1.0" encoding="utf-8"?>
+<p:notesMaster xmlns:a="http://schemas.openxmlformats.org/drawingml/2006/main" xmlns:r="http://schemas.openxmlformats.org/officeDocument/2006/relationships" xmlns:p="http://schemas.openxmlformats.org/presentationml/2006/main">
+  <p:cSld>
+    <p:bg>
+      <p:bgRef idx="1001">
+        <a:schemeClr val="bg1"/>
+      </p:bgRef>
+    </p:bg>
+    <p:spTree>
+      <p:nvGrpSpPr>
+        <p:cNvPr id="1" name=""/>
+        <p:cNvGrpSpPr/>
+        <p:nvPr/>
+      </p:nvGrpSpPr>
+      <p:grpSpPr>
+        <a:xfrm>
+          <a:off x="0" y="0"/>
+          <a:ext cx="0" cy="0"/>
+          <a:chOff x="0" y="0"/>
+          <a:chExt cx="0" cy="0"/>
+        </a:xfrm>
+      </p:grpSpPr>
+      <p:sp>
+        <p:nvSpPr>
+          <p:cNvPr id="2" name="Espaço Reservado para Cabeçalho 1"/>
+          <p:cNvSpPr>
+            <a:spLocks noGrp="1"/>
+          </p:cNvSpPr>
+          <p:nvPr>
+            <p:ph type="hdr" sz="quarter"/>
+          </p:nvPr>
+        </p:nvSpPr>
+        <p:spPr>
+          <a:xfrm>
+            <a:off x="0" y="0"/>
+            <a:ext cx="2971800" cy="457200"/>
+          </a:xfrm>
+          <a:prstGeom prst="rect">
+            <a:avLst/>
+          </a:prstGeom>
+        </p:spPr>
+        <p:txBody>
+          <a:bodyPr vert="horz" lIns="91440" tIns="45720" rIns="91440" bIns="45720" rtlCol="0"/>
+          <a:lstStyle>
+            <a:lvl1pPr algn="l">
+              <a:defRPr sz="1200"/>
+            </a:lvl1pPr>
+          </a:lstStyle>
+          <a:p>
+            <a:endParaRPr lang="pt-BR"/>
+          </a:p>
+        </p:txBody>
+      </p:sp>
+      <p:sp>
+        <p:nvSpPr>
+          <p:cNvPr id="3" name="Espaço Reservado para Data 2"/>
+          <p:cNvSpPr>
+            <a:spLocks noGrp="1"/>
+          </p:cNvSpPr>
+          <p:nvPr>
+            <p:ph type="dt" idx="1"/>
+          </p:nvPr>
+        </p:nvSpPr>
+        <p:spPr>
+          <a:xfrm>
+            <a:off x="3884613" y="0"/>
+            <a:ext cx="2971800" cy="457200"/>
+          </a:xfrm>
+          <a:prstGeom prst="rect">
+            <a:avLst/>
+          </a:prstGeom>
+        </p:spPr>
+        <p:txBody>
+          <a:bodyPr vert="horz" lIns="91440" tIns="45720" rIns="91440" bIns="45720" rtlCol="0"/>
+          <a:lstStyle>
+            <a:lvl1pPr algn="r">
+              <a:defRPr sz="1200"/>
+            </a:lvl1pPr>
+          </a:lstStyle>
+          <a:p>
+            <a:fld id="{14E228F1-80E5-4B31-AC3F-E6FF4315C35F}" type="datetimeFigureOut">
+              <a:rPr lang="pt-BR" smtClean="0"/>
+              <a:t>28/04/2016</a:t>
+            </a:fld>
+            <a:endParaRPr lang="pt-BR"/>
+          </a:p>
+        </p:txBody>
+      </p:sp>
+      <p:sp>
+        <p:nvSpPr>
+          <p:cNvPr id="4" name="Espaço Reservado para Imagem de Slide 3"/>
+          <p:cNvSpPr>
+            <a:spLocks noGrp="1" noRot="1" noChangeAspect="1"/>
+          </p:cNvSpPr>
+          <p:nvPr>
+            <p:ph type="sldImg" idx="2"/>
+          </p:nvPr>
+        </p:nvSpPr>
+        <p:spPr>
+          <a:xfrm>
+            <a:off x="1143000" y="685800"/>
+            <a:ext cx="4572000" cy="3429000"/>
+          </a:xfrm>
+          <a:prstGeom prst="rect">
+            <a:avLst/>
+          </a:prstGeom>
+          <a:noFill/>
+          <a:ln w="12700">
+            <a:solidFill>
+              <a:prstClr val="black"/>
+            </a:solidFill>
+          </a:ln>
+        </p:spPr>
+        <p:txBody>
+          <a:bodyPr vert="horz" lIns="91440" tIns="45720" rIns="91440" bIns="45720" rtlCol="0" anchor="ctr"/>
+          <a:lstStyle/>
+          <a:p>
+            <a:endParaRPr lang="pt-BR"/>
+          </a:p>
+        </p:txBody>
+      </p:sp>
+      <p:sp>
+        <p:nvSpPr>
+          <p:cNvPr id="5" name="Espaço Reservado para Anotações 4"/>
+          <p:cNvSpPr>
+            <a:spLocks noGrp="1"/>
+          </p:cNvSpPr>
+          <p:nvPr>
+            <p:ph type="body" sz="quarter" idx="3"/>
+          </p:nvPr>
+        </p:nvSpPr>
+        <p:spPr>
+          <a:xfrm>
+            <a:off x="685800" y="4343400"/>
+            <a:ext cx="5486400" cy="4114800"/>
+          </a:xfrm>
+          <a:prstGeom prst="rect">
+            <a:avLst/>
+          </a:prstGeom>
+        </p:spPr>
+        <p:txBody>
+          <a:bodyPr vert="horz" lIns="91440" tIns="45720" rIns="91440" bIns="45720" rtlCol="0"/>
+          <a:lstStyle/>
+          <a:p>
+            <a:pPr lvl="0"/>
+            <a:r>
+              <a:rPr lang="pt-BR" smtClean="0"/>
+              <a:t>Clique para editar o texto mestre</a:t>
+            </a:r>
+          </a:p>
+          <a:p>
+            <a:pPr lvl="1"/>
+            <a:r>
+              <a:rPr lang="pt-BR" smtClean="0"/>
+              <a:t>Segundo nível</a:t>
+            </a:r>
+          </a:p>
+          <a:p>
+            <a:pPr lvl="2"/>
+            <a:r>
+              <a:rPr lang="pt-BR" smtClean="0"/>
+              <a:t>Terceiro nível</a:t>
+            </a:r>
+          </a:p>
+          <a:p>
+            <a:pPr lvl="3"/>
+            <a:r>
+              <a:rPr lang="pt-BR" smtClean="0"/>
+              <a:t>Quarto nível</a:t>
+            </a:r>
+          </a:p>
+          <a:p>
+            <a:pPr lvl="4"/>
+            <a:r>
+              <a:rPr lang="pt-BR" smtClean="0"/>
+              <a:t>Quinto nível</a:t>
+            </a:r>
+            <a:endParaRPr lang="pt-BR"/>
+          </a:p>
+        </p:txBody>
+      </p:sp>
+      <p:sp>
+        <p:nvSpPr>
+          <p:cNvPr id="6" name="Espaço Reservado para Rodapé 5"/>
+          <p:cNvSpPr>
+            <a:spLocks noGrp="1"/>
+          </p:cNvSpPr>
+          <p:nvPr>
+            <p:ph type="ftr" sz="quarter" idx="4"/>
+          </p:nvPr>
+        </p:nvSpPr>
+        <p:spPr>
+          <a:xfrm>
+            <a:off x="0" y="8685213"/>
+            <a:ext cx="2971800" cy="457200"/>
+          </a:xfrm>
+          <a:prstGeom prst="rect">
+            <a:avLst/>
+          </a:prstGeom>
+        </p:spPr>
+        <p:txBody>
+          <a:bodyPr vert="horz" lIns="91440" tIns="45720" rIns="91440" bIns="45720" rtlCol="0" anchor="b"/>
+          <a:lstStyle>
+            <a:lvl1pPr algn="l">
+              <a:defRPr sz="1200"/>
+            </a:lvl1pPr>
+          </a:lstStyle>
+          <a:p>
+            <a:endParaRPr lang="pt-BR"/>
+          </a:p>
+        </p:txBody>
+      </p:sp>
+      <p:sp>
+        <p:nvSpPr>
+          <p:cNvPr id="7" name="Espaço Reservado para Número de Slide 6"/>
+          <p:cNvSpPr>
+            <a:spLocks noGrp="1"/>
+          </p:cNvSpPr>
+          <p:nvPr>
+            <p:ph type="sldNum" sz="quarter" idx="5"/>
+          </p:nvPr>
+        </p:nvSpPr>
+        <p:spPr>
+          <a:xfrm>
+            <a:off x="3884613" y="8685213"/>
+            <a:ext cx="2971800" cy="457200"/>
+          </a:xfrm>
+          <a:prstGeom prst="rect">
+            <a:avLst/>
+          </a:prstGeom>
+        </p:spPr>
+        <p:txBody>
+          <a:bodyPr vert="horz" lIns="91440" tIns="45720" rIns="91440" bIns="45720" rtlCol="0" anchor="b"/>
+          <a:lstStyle>
+            <a:lvl1pPr algn="r">
+              <a:defRPr sz="1200"/>
+            </a:lvl1pPr>
+          </a:lstStyle>
+          <a:p>
+            <a:fld id="{5C09829C-AB5B-4B31-8D1E-03FC46695DAF}" type="slidenum">
+              <a:rPr lang="pt-BR" smtClean="0"/>
+              <a:t>‹nº›</a:t>
+            </a:fld>
+            <a:endParaRPr lang="pt-BR"/>
+          </a:p>
+        </p:txBody>
+      </p:sp>
+    </p:spTree>
+    <p:extLst>
+      <p:ext uri="{BB962C8B-B14F-4D97-AF65-F5344CB8AC3E}">
+        <p14:creationId xmlns:p14="http://schemas.microsoft.com/office/powerpoint/2010/main" val="3357043170"/>
+      </p:ext>
+    </p:extLst>
+  </p:cSld>
+  <p:clrMap bg1="lt1" tx1="dk1" bg2="lt2" tx2="dk2" accent1="accent1" accent2="accent2" accent3="accent3" accent4="accent4" accent5="accent5" accent6="accent6" hlink="hlink" folHlink="folHlink"/>
+  <p:notesStyle>
+    <a:lvl1pPr marL="0" algn="l" defTabSz="914400" rtl="0" eaLnBrk="1" latinLnBrk="0" hangingPunct="1">
+      <a:defRPr sz="1200" kern="1200">
+        <a:solidFill>
+          <a:schemeClr val="tx1"/>
+        </a:solidFill>
+        <a:latin typeface="+mn-lt"/>
+        <a:ea typeface="+mn-ea"/>
+        <a:cs typeface="+mn-cs"/>
+      </a:defRPr>
+    </a:lvl1pPr>
+    <a:lvl2pPr marL="457200" algn="l" defTabSz="914400" rtl="0" eaLnBrk="1" latinLnBrk="0" hangingPunct="1">
+      <a:defRPr sz="1200" kern="1200">
+        <a:solidFill>
+          <a:schemeClr val="tx1"/>
+        </a:solidFill>
+        <a:latin typeface="+mn-lt"/>
+        <a:ea typeface="+mn-ea"/>
+        <a:cs typeface="+mn-cs"/>
+      </a:defRPr>
+    </a:lvl2pPr>
+    <a:lvl3pPr marL="914400" algn="l" defTabSz="914400" rtl="0" eaLnBrk="1" latinLnBrk="0" hangingPunct="1">
+      <a:defRPr sz="1200" kern="1200">
+        <a:solidFill>
+          <a:schemeClr val="tx1"/>
+        </a:solidFill>
+        <a:latin typeface="+mn-lt"/>
+        <a:ea typeface="+mn-ea"/>
+        <a:cs typeface="+mn-cs"/>
+      </a:defRPr>
+    </a:lvl3pPr>
+    <a:lvl4pPr marL="1371600" algn="l" defTabSz="914400" rtl="0" eaLnBrk="1" latinLnBrk="0" hangingPunct="1">
+      <a:defRPr sz="1200" kern="1200">
+        <a:solidFill>
+          <a:schemeClr val="tx1"/>
+        </a:solidFill>
+        <a:latin typeface="+mn-lt"/>
+        <a:ea typeface="+mn-ea"/>
+        <a:cs typeface="+mn-cs"/>
+      </a:defRPr>
+    </a:lvl4pPr>
+    <a:lvl5pPr marL="1828800" algn="l" defTabSz="914400" rtl="0" eaLnBrk="1" latinLnBrk="0" hangingPunct="1">
+      <a:defRPr sz="1200" kern="1200">
+        <a:solidFill>
+          <a:schemeClr val="tx1"/>
+        </a:solidFill>
+        <a:latin typeface="+mn-lt"/>
+        <a:ea typeface="+mn-ea"/>
+        <a:cs typeface="+mn-cs"/>
+      </a:defRPr>
+    </a:lvl5pPr>
+    <a:lvl6pPr marL="2286000" algn="l" defTabSz="914400" rtl="0" eaLnBrk="1" latinLnBrk="0" hangingPunct="1">
+      <a:defRPr sz="1200" kern="1200">
+        <a:solidFill>
+          <a:schemeClr val="tx1"/>
+        </a:solidFill>
+        <a:latin typeface="+mn-lt"/>
+        <a:ea typeface="+mn-ea"/>
+        <a:cs typeface="+mn-cs"/>
+      </a:defRPr>
+    </a:lvl6pPr>
+    <a:lvl7pPr marL="2743200" algn="l" defTabSz="914400" rtl="0" eaLnBrk="1" latinLnBrk="0" hangingPunct="1">
+      <a:defRPr sz="1200" kern="1200">
+        <a:solidFill>
+          <a:schemeClr val="tx1"/>
+        </a:solidFill>
+        <a:latin typeface="+mn-lt"/>
+        <a:ea typeface="+mn-ea"/>
+        <a:cs typeface="+mn-cs"/>
+      </a:defRPr>
+    </a:lvl7pPr>
+    <a:lvl8pPr marL="3200400" algn="l" defTabSz="914400" rtl="0" eaLnBrk="1" latinLnBrk="0" hangingPunct="1">
+      <a:defRPr sz="1200" kern="1200">
+        <a:solidFill>
+          <a:schemeClr val="tx1"/>
+        </a:solidFill>
+        <a:latin typeface="+mn-lt"/>
+        <a:ea typeface="+mn-ea"/>
+        <a:cs typeface="+mn-cs"/>
+      </a:defRPr>
+    </a:lvl8pPr>
+    <a:lvl9pPr marL="3657600" algn="l" defTabSz="914400" rtl="0" eaLnBrk="1" latinLnBrk="0" hangingPunct="1">
+      <a:defRPr sz="1200" kern="1200">
+        <a:solidFill>
+          <a:schemeClr val="tx1"/>
+        </a:solidFill>
+        <a:latin typeface="+mn-lt"/>
+        <a:ea typeface="+mn-ea"/>
+        <a:cs typeface="+mn-cs"/>
+      </a:defRPr>
+    </a:lvl9pPr>
+  </p:notesStyle>
+</p:notesMaster>
+</file>
+
+<file path=ppt/notesSlides/notesSlide1.xml><?xml version="1.0" encoding="utf-8"?>
+<p:notes xmlns:a="http://schemas.openxmlformats.org/drawingml/2006/main" xmlns:r="http://schemas.openxmlformats.org/officeDocument/2006/relationships" xmlns:p="http://schemas.openxmlformats.org/presentationml/2006/main">
+  <p:cSld>
+    <p:spTree>
+      <p:nvGrpSpPr>
+        <p:cNvPr id="1" name=""/>
+        <p:cNvGrpSpPr/>
+        <p:nvPr/>
+      </p:nvGrpSpPr>
+      <p:grpSpPr>
+        <a:xfrm>
+          <a:off x="0" y="0"/>
+          <a:ext cx="0" cy="0"/>
+          <a:chOff x="0" y="0"/>
+          <a:chExt cx="0" cy="0"/>
+        </a:xfrm>
+      </p:grpSpPr>
+      <p:sp>
+        <p:nvSpPr>
+          <p:cNvPr id="2" name="Espaço Reservado para Imagem de Slide 1"/>
+          <p:cNvSpPr>
+            <a:spLocks noGrp="1" noRot="1" noChangeAspect="1"/>
+          </p:cNvSpPr>
+          <p:nvPr>
+            <p:ph type="sldImg"/>
+          </p:nvPr>
+        </p:nvSpPr>
+        <p:spPr/>
+      </p:sp>
+      <p:sp>
+        <p:nvSpPr>
+          <p:cNvPr id="3" name="Espaço Reservado para Anotações 2"/>
+          <p:cNvSpPr>
+            <a:spLocks noGrp="1"/>
+          </p:cNvSpPr>
+          <p:nvPr>
+            <p:ph type="body" idx="1"/>
+          </p:nvPr>
+        </p:nvSpPr>
+        <p:spPr/>
+        <p:txBody>
+          <a:bodyPr/>
+          <a:lstStyle/>
+          <a:p>
+            <a:endParaRPr lang="pt-BR" dirty="0"/>
+          </a:p>
+        </p:txBody>
+      </p:sp>
+      <p:sp>
+        <p:nvSpPr>
+          <p:cNvPr id="4" name="Espaço Reservado para Número de Slide 3"/>
+          <p:cNvSpPr>
+            <a:spLocks noGrp="1"/>
+          </p:cNvSpPr>
+          <p:nvPr>
+            <p:ph type="sldNum" sz="quarter" idx="10"/>
+          </p:nvPr>
+        </p:nvSpPr>
+        <p:spPr/>
+        <p:txBody>
+          <a:bodyPr/>
+          <a:lstStyle/>
+          <a:p>
+            <a:fld id="{5C09829C-AB5B-4B31-8D1E-03FC46695DAF}" type="slidenum">
+              <a:rPr lang="pt-BR" smtClean="0"/>
+              <a:t>15</a:t>
+            </a:fld>
+            <a:endParaRPr lang="pt-BR"/>
+          </a:p>
+        </p:txBody>
+      </p:sp>
+    </p:spTree>
+    <p:extLst>
+      <p:ext uri="{BB962C8B-B14F-4D97-AF65-F5344CB8AC3E}">
+        <p14:creationId xmlns:p14="http://schemas.microsoft.com/office/powerpoint/2010/main" val="1501075389"/>
+      </p:ext>
+    </p:extLst>
+  </p:cSld>
+  <p:clrMapOvr>
+    <a:masterClrMapping/>
+  </p:clrMapOvr>
+</p:notes>
 </file>
 
 <file path=ppt/slideLayouts/slideLayout1.xml><?xml version="1.0" encoding="utf-8"?>
@@ -1060,7 +1503,7 @@
           <a:bodyPr/>
           <a:lstStyle/>
           <a:p>
-            <a:endParaRPr lang="pt-BR"/>
+            <a:endParaRPr lang="pt-BR" dirty="0"/>
           </a:p>
         </p:txBody>
       </p:sp>
@@ -1079,7 +1522,7 @@
           <a:bodyPr/>
           <a:lstStyle/>
           <a:p>
-            <a:endParaRPr lang="pt-BR"/>
+            <a:endParaRPr lang="pt-BR" dirty="0"/>
           </a:p>
         </p:txBody>
       </p:sp>
@@ -1181,11 +1624,18 @@
               <a:t>Prova de conceito usando </a:t>
             </a:r>
             <a:r>
-              <a:rPr lang="pt-BR" sz="3000" dirty="0" err="1" smtClean="0">
+              <a:rPr lang="pt-BR" sz="3000" dirty="0" smtClean="0">
                 <a:latin typeface="Vital Light Edifier" panose="020B0502040204020203" pitchFamily="34" charset="0"/>
                 <a:cs typeface="Vital Light Edifier" panose="020B0502040204020203" pitchFamily="34" charset="0"/>
               </a:rPr>
               <a:t>Loopback</a:t>
+            </a:r>
+            <a:r>
+              <a:rPr lang="pt-BR" sz="3000" dirty="0" smtClean="0">
+                <a:latin typeface="Vital Light Edifier" panose="020B0502040204020203" pitchFamily="34" charset="0"/>
+                <a:cs typeface="Vital Light Edifier" panose="020B0502040204020203" pitchFamily="34" charset="0"/>
+              </a:rPr>
+              <a:t>.io</a:t>
             </a:r>
             <a:endParaRPr lang="pt-BR" sz="3000" dirty="0">
               <a:latin typeface="Vital Light Edifier" panose="020B0502040204020203" pitchFamily="34" charset="0"/>
@@ -1265,6 +1715,1584 @@
 </file>
 
 <file path=ppt/slides/slide10.xml><?xml version="1.0" encoding="utf-8"?>
+<p:sld xmlns:a="http://schemas.openxmlformats.org/drawingml/2006/main" xmlns:r="http://schemas.openxmlformats.org/officeDocument/2006/relationships" xmlns:p="http://schemas.openxmlformats.org/presentationml/2006/main">
+  <p:cSld>
+    <p:spTree>
+      <p:nvGrpSpPr>
+        <p:cNvPr id="1" name=""/>
+        <p:cNvGrpSpPr/>
+        <p:nvPr/>
+      </p:nvGrpSpPr>
+      <p:grpSpPr>
+        <a:xfrm>
+          <a:off x="0" y="0"/>
+          <a:ext cx="0" cy="0"/>
+          <a:chOff x="0" y="0"/>
+          <a:chExt cx="0" cy="0"/>
+        </a:xfrm>
+      </p:grpSpPr>
+      <p:sp>
+        <p:nvSpPr>
+          <p:cNvPr id="7" name="Título 6"/>
+          <p:cNvSpPr>
+            <a:spLocks noGrp="1"/>
+          </p:cNvSpPr>
+          <p:nvPr>
+            <p:ph type="title"/>
+          </p:nvPr>
+        </p:nvSpPr>
+        <p:spPr>
+          <a:xfrm>
+            <a:off x="1835696" y="274638"/>
+            <a:ext cx="6851104" cy="1143000"/>
+          </a:xfrm>
+        </p:spPr>
+        <p:txBody>
+          <a:bodyPr>
+            <a:normAutofit/>
+          </a:bodyPr>
+          <a:lstStyle/>
+          <a:p>
+            <a:pPr algn="r"/>
+            <a:r>
+              <a:rPr lang="pt-BR" sz="3200" b="1" dirty="0" smtClean="0">
+                <a:latin typeface="Vital Light Edifier" panose="020B0502040204020203" pitchFamily="34" charset="0"/>
+                <a:ea typeface="+mn-ea"/>
+                <a:cs typeface="Vital Light Edifier" panose="020B0502040204020203" pitchFamily="34" charset="0"/>
+              </a:rPr>
+              <a:t>Prova de Conceito</a:t>
+            </a:r>
+            <a:endParaRPr lang="pt-BR" sz="3200" b="1" dirty="0">
+              <a:latin typeface="Vital Light Edifier" panose="020B0502040204020203" pitchFamily="34" charset="0"/>
+              <a:ea typeface="+mn-ea"/>
+              <a:cs typeface="Vital Light Edifier" panose="020B0502040204020203" pitchFamily="34" charset="0"/>
+            </a:endParaRPr>
+          </a:p>
+        </p:txBody>
+      </p:sp>
+      <p:sp>
+        <p:nvSpPr>
+          <p:cNvPr id="9" name="CaixaDeTexto 8"/>
+          <p:cNvSpPr txBox="1"/>
+          <p:nvPr/>
+        </p:nvSpPr>
+        <p:spPr>
+          <a:xfrm>
+            <a:off x="467544" y="1340768"/>
+            <a:ext cx="7920880" cy="2862322"/>
+          </a:xfrm>
+          <a:prstGeom prst="rect">
+            <a:avLst/>
+          </a:prstGeom>
+          <a:noFill/>
+        </p:spPr>
+        <p:txBody>
+          <a:bodyPr wrap="square" rtlCol="0">
+            <a:spAutoFit/>
+          </a:bodyPr>
+          <a:lstStyle/>
+          <a:p>
+            <a:pPr>
+              <a:lnSpc>
+                <a:spcPct val="150000"/>
+              </a:lnSpc>
+            </a:pPr>
+            <a:r>
+              <a:rPr lang="pt-BR" sz="2000" b="1" dirty="0" smtClean="0">
+                <a:latin typeface="Vital Light Edifier" panose="020B0502040204020203" pitchFamily="34" charset="0"/>
+                <a:cs typeface="Vital Light Edifier" panose="020B0502040204020203" pitchFamily="34" charset="0"/>
+              </a:rPr>
+              <a:t>Documentação pelo navegador</a:t>
+            </a:r>
+            <a:endParaRPr lang="pt-BR" sz="2000" b="1" dirty="0" smtClean="0">
+              <a:latin typeface="Vital Light Edifier" panose="020B0502040204020203" pitchFamily="34" charset="0"/>
+              <a:cs typeface="Vital Light Edifier" panose="020B0502040204020203" pitchFamily="34" charset="0"/>
+            </a:endParaRPr>
+          </a:p>
+          <a:p>
+            <a:pPr marL="457200" indent="-457200">
+              <a:lnSpc>
+                <a:spcPct val="150000"/>
+              </a:lnSpc>
+              <a:buFont typeface="Wingdings" panose="05000000000000000000" pitchFamily="2" charset="2"/>
+              <a:buChar char="ü"/>
+            </a:pPr>
+            <a:r>
+              <a:rPr lang="pt-BR" sz="2000" dirty="0" smtClean="0">
+                <a:latin typeface="Vital Light Edifier" panose="020B0502040204020203" pitchFamily="34" charset="0"/>
+                <a:cs typeface="Vital Light Edifier" panose="020B0502040204020203" pitchFamily="34" charset="0"/>
+              </a:rPr>
+              <a:t>Prós</a:t>
+            </a:r>
+          </a:p>
+          <a:p>
+            <a:pPr marL="914400" lvl="1" indent="-457200">
+              <a:lnSpc>
+                <a:spcPct val="150000"/>
+              </a:lnSpc>
+              <a:buFont typeface="Wingdings" panose="05000000000000000000" pitchFamily="2" charset="2"/>
+              <a:buChar char="ü"/>
+            </a:pPr>
+            <a:r>
+              <a:rPr lang="pt-BR" sz="2000" dirty="0" smtClean="0">
+                <a:latin typeface="Vital Light Edifier" panose="020B0502040204020203" pitchFamily="34" charset="0"/>
+                <a:cs typeface="Vital Light Edifier" panose="020B0502040204020203" pitchFamily="34" charset="0"/>
+              </a:rPr>
+              <a:t>Nenhum esforço adicional</a:t>
+            </a:r>
+          </a:p>
+          <a:p>
+            <a:pPr marL="457200" indent="-457200">
+              <a:lnSpc>
+                <a:spcPct val="150000"/>
+              </a:lnSpc>
+              <a:buFont typeface="Wingdings" panose="05000000000000000000" pitchFamily="2" charset="2"/>
+              <a:buChar char="ü"/>
+            </a:pPr>
+            <a:r>
+              <a:rPr lang="pt-BR" sz="2000" dirty="0" smtClean="0">
+                <a:latin typeface="Vital Light Edifier" panose="020B0502040204020203" pitchFamily="34" charset="0"/>
+                <a:cs typeface="Vital Light Edifier" panose="020B0502040204020203" pitchFamily="34" charset="0"/>
+              </a:rPr>
+              <a:t>Contras</a:t>
+            </a:r>
+          </a:p>
+          <a:p>
+            <a:pPr marL="914400" lvl="1" indent="-457200">
+              <a:lnSpc>
+                <a:spcPct val="150000"/>
+              </a:lnSpc>
+              <a:buFont typeface="Wingdings" panose="05000000000000000000" pitchFamily="2" charset="2"/>
+              <a:buChar char="ü"/>
+            </a:pPr>
+            <a:r>
+              <a:rPr lang="pt-BR" sz="2000" dirty="0" smtClean="0">
+                <a:latin typeface="Vital Light Edifier" panose="020B0502040204020203" pitchFamily="34" charset="0"/>
+                <a:cs typeface="Vital Light Edifier" panose="020B0502040204020203" pitchFamily="34" charset="0"/>
+              </a:rPr>
+              <a:t>O layout é proprietário</a:t>
+            </a:r>
+            <a:endParaRPr lang="pt-BR" sz="2000" dirty="0">
+              <a:latin typeface="Vital Light Edifier" panose="020B0502040204020203" pitchFamily="34" charset="0"/>
+              <a:cs typeface="Vital Light Edifier" panose="020B0502040204020203" pitchFamily="34" charset="0"/>
+            </a:endParaRPr>
+          </a:p>
+          <a:p>
+            <a:pPr>
+              <a:lnSpc>
+                <a:spcPct val="150000"/>
+              </a:lnSpc>
+            </a:pPr>
+            <a:endParaRPr lang="pt-BR" sz="2000" b="1" dirty="0">
+              <a:latin typeface="Vital Light Edifier" panose="020B0502040204020203" pitchFamily="34" charset="0"/>
+              <a:cs typeface="Vital Light Edifier" panose="020B0502040204020203" pitchFamily="34" charset="0"/>
+            </a:endParaRPr>
+          </a:p>
+        </p:txBody>
+      </p:sp>
+      <p:pic>
+        <p:nvPicPr>
+          <p:cNvPr id="4098" name="Picture 2"/>
+          <p:cNvPicPr>
+            <a:picLocks noChangeAspect="1" noChangeArrowheads="1"/>
+          </p:cNvPicPr>
+          <p:nvPr/>
+        </p:nvPicPr>
+        <p:blipFill>
+          <a:blip r:embed="rId2">
+            <a:extLst>
+              <a:ext uri="{28A0092B-C50C-407E-A947-70E740481C1C}">
+                <a14:useLocalDpi xmlns:a14="http://schemas.microsoft.com/office/drawing/2010/main" val="0"/>
+              </a:ext>
+            </a:extLst>
+          </a:blip>
+          <a:srcRect/>
+          <a:stretch>
+            <a:fillRect/>
+          </a:stretch>
+        </p:blipFill>
+        <p:spPr bwMode="auto">
+          <a:xfrm>
+            <a:off x="1547664" y="4234466"/>
+            <a:ext cx="6840760" cy="2007168"/>
+          </a:xfrm>
+          <a:prstGeom prst="rect">
+            <a:avLst/>
+          </a:prstGeom>
+          <a:noFill/>
+          <a:ln>
+            <a:noFill/>
+          </a:ln>
+          <a:extLst>
+            <a:ext uri="{909E8E84-426E-40DD-AFC4-6F175D3DCCD1}">
+              <a14:hiddenFill xmlns:a14="http://schemas.microsoft.com/office/drawing/2010/main">
+                <a:solidFill>
+                  <a:schemeClr val="accent1"/>
+                </a:solidFill>
+              </a14:hiddenFill>
+            </a:ext>
+            <a:ext uri="{91240B29-F687-4F45-9708-019B960494DF}">
+              <a14:hiddenLine xmlns:a14="http://schemas.microsoft.com/office/drawing/2010/main" w="9525">
+                <a:solidFill>
+                  <a:schemeClr val="tx1"/>
+                </a:solidFill>
+                <a:miter lim="800000"/>
+                <a:headEnd/>
+                <a:tailEnd/>
+              </a14:hiddenLine>
+            </a:ext>
+          </a:extLst>
+        </p:spPr>
+      </p:pic>
+    </p:spTree>
+    <p:extLst>
+      <p:ext uri="{BB962C8B-B14F-4D97-AF65-F5344CB8AC3E}">
+        <p14:creationId xmlns:p14="http://schemas.microsoft.com/office/powerpoint/2010/main" val="2438728210"/>
+      </p:ext>
+    </p:extLst>
+  </p:cSld>
+  <p:clrMapOvr>
+    <a:masterClrMapping/>
+  </p:clrMapOvr>
+  <mc:AlternateContent xmlns:mc="http://schemas.openxmlformats.org/markup-compatibility/2006" xmlns:p14="http://schemas.microsoft.com/office/powerpoint/2010/main">
+    <mc:Choice Requires="p14">
+      <p:transition spd="slow" p14:dur="800">
+        <p14:flythrough dir="out"/>
+      </p:transition>
+    </mc:Choice>
+    <mc:Fallback xmlns="">
+      <p:transition spd="slow">
+        <p:fade/>
+      </p:transition>
+    </mc:Fallback>
+  </mc:AlternateContent>
+  <p:timing>
+    <p:tnLst>
+      <p:par>
+        <p:cTn id="1" dur="indefinite" restart="never" nodeType="tmRoot"/>
+      </p:par>
+    </p:tnLst>
+  </p:timing>
+</p:sld>
+</file>
+
+<file path=ppt/slides/slide11.xml><?xml version="1.0" encoding="utf-8"?>
+<p:sld xmlns:a="http://schemas.openxmlformats.org/drawingml/2006/main" xmlns:r="http://schemas.openxmlformats.org/officeDocument/2006/relationships" xmlns:p="http://schemas.openxmlformats.org/presentationml/2006/main">
+  <p:cSld>
+    <p:spTree>
+      <p:nvGrpSpPr>
+        <p:cNvPr id="1" name=""/>
+        <p:cNvGrpSpPr/>
+        <p:nvPr/>
+      </p:nvGrpSpPr>
+      <p:grpSpPr>
+        <a:xfrm>
+          <a:off x="0" y="0"/>
+          <a:ext cx="0" cy="0"/>
+          <a:chOff x="0" y="0"/>
+          <a:chExt cx="0" cy="0"/>
+        </a:xfrm>
+      </p:grpSpPr>
+      <p:sp>
+        <p:nvSpPr>
+          <p:cNvPr id="7" name="Título 6"/>
+          <p:cNvSpPr>
+            <a:spLocks noGrp="1"/>
+          </p:cNvSpPr>
+          <p:nvPr>
+            <p:ph type="title"/>
+          </p:nvPr>
+        </p:nvSpPr>
+        <p:spPr>
+          <a:xfrm>
+            <a:off x="1835696" y="274638"/>
+            <a:ext cx="6851104" cy="1143000"/>
+          </a:xfrm>
+        </p:spPr>
+        <p:txBody>
+          <a:bodyPr>
+            <a:normAutofit/>
+          </a:bodyPr>
+          <a:lstStyle/>
+          <a:p>
+            <a:pPr algn="r"/>
+            <a:r>
+              <a:rPr lang="pt-BR" sz="3200" b="1" dirty="0" smtClean="0">
+                <a:latin typeface="Vital Light Edifier" panose="020B0502040204020203" pitchFamily="34" charset="0"/>
+                <a:ea typeface="+mn-ea"/>
+                <a:cs typeface="Vital Light Edifier" panose="020B0502040204020203" pitchFamily="34" charset="0"/>
+              </a:rPr>
+              <a:t>Prova de Conceito</a:t>
+            </a:r>
+            <a:endParaRPr lang="pt-BR" sz="3200" b="1" dirty="0">
+              <a:latin typeface="Vital Light Edifier" panose="020B0502040204020203" pitchFamily="34" charset="0"/>
+              <a:ea typeface="+mn-ea"/>
+              <a:cs typeface="Vital Light Edifier" panose="020B0502040204020203" pitchFamily="34" charset="0"/>
+            </a:endParaRPr>
+          </a:p>
+        </p:txBody>
+      </p:sp>
+      <p:sp>
+        <p:nvSpPr>
+          <p:cNvPr id="9" name="CaixaDeTexto 8"/>
+          <p:cNvSpPr txBox="1"/>
+          <p:nvPr/>
+        </p:nvSpPr>
+        <p:spPr>
+          <a:xfrm>
+            <a:off x="467544" y="1340768"/>
+            <a:ext cx="7920880" cy="3323987"/>
+          </a:xfrm>
+          <a:prstGeom prst="rect">
+            <a:avLst/>
+          </a:prstGeom>
+          <a:noFill/>
+        </p:spPr>
+        <p:txBody>
+          <a:bodyPr wrap="square" rtlCol="0">
+            <a:spAutoFit/>
+          </a:bodyPr>
+          <a:lstStyle/>
+          <a:p>
+            <a:pPr>
+              <a:lnSpc>
+                <a:spcPct val="150000"/>
+              </a:lnSpc>
+            </a:pPr>
+            <a:r>
+              <a:rPr lang="pt-BR" sz="2000" b="1" dirty="0" smtClean="0">
+                <a:latin typeface="Vital Light Edifier" panose="020B0502040204020203" pitchFamily="34" charset="0"/>
+                <a:cs typeface="Vital Light Edifier" panose="020B0502040204020203" pitchFamily="34" charset="0"/>
+              </a:rPr>
+              <a:t>CRUD</a:t>
+            </a:r>
+            <a:endParaRPr lang="pt-BR" sz="2000" b="1" dirty="0" smtClean="0">
+              <a:latin typeface="Vital Light Edifier" panose="020B0502040204020203" pitchFamily="34" charset="0"/>
+              <a:cs typeface="Vital Light Edifier" panose="020B0502040204020203" pitchFamily="34" charset="0"/>
+            </a:endParaRPr>
+          </a:p>
+          <a:p>
+            <a:pPr marL="457200" indent="-457200">
+              <a:lnSpc>
+                <a:spcPct val="150000"/>
+              </a:lnSpc>
+              <a:buFont typeface="Wingdings" panose="05000000000000000000" pitchFamily="2" charset="2"/>
+              <a:buChar char="ü"/>
+            </a:pPr>
+            <a:r>
+              <a:rPr lang="pt-BR" sz="2000" dirty="0" smtClean="0">
+                <a:latin typeface="Vital Light Edifier" panose="020B0502040204020203" pitchFamily="34" charset="0"/>
+                <a:cs typeface="Vital Light Edifier" panose="020B0502040204020203" pitchFamily="34" charset="0"/>
+              </a:rPr>
+              <a:t>Prós</a:t>
+            </a:r>
+          </a:p>
+          <a:p>
+            <a:pPr marL="914400" lvl="1" indent="-457200">
+              <a:lnSpc>
+                <a:spcPct val="150000"/>
+              </a:lnSpc>
+              <a:buFont typeface="Wingdings" panose="05000000000000000000" pitchFamily="2" charset="2"/>
+              <a:buChar char="ü"/>
+            </a:pPr>
+            <a:r>
+              <a:rPr lang="pt-BR" sz="2000" dirty="0" smtClean="0">
+                <a:latin typeface="Vital Light Edifier" panose="020B0502040204020203" pitchFamily="34" charset="0"/>
+                <a:cs typeface="Vital Light Edifier" panose="020B0502040204020203" pitchFamily="34" charset="0"/>
+              </a:rPr>
+              <a:t>Nenhum esforço adicional</a:t>
+            </a:r>
+          </a:p>
+          <a:p>
+            <a:pPr marL="914400" lvl="1" indent="-457200">
+              <a:lnSpc>
+                <a:spcPct val="150000"/>
+              </a:lnSpc>
+              <a:buFont typeface="Wingdings" panose="05000000000000000000" pitchFamily="2" charset="2"/>
+              <a:buChar char="ü"/>
+            </a:pPr>
+            <a:r>
+              <a:rPr lang="pt-BR" sz="2000" dirty="0" smtClean="0">
+                <a:latin typeface="Vital Light Edifier" panose="020B0502040204020203" pitchFamily="34" charset="0"/>
+                <a:cs typeface="Vital Light Edifier" panose="020B0502040204020203" pitchFamily="34" charset="0"/>
+              </a:rPr>
+              <a:t>A auto documentação já permite executar CRUD</a:t>
+            </a:r>
+          </a:p>
+          <a:p>
+            <a:pPr marL="457200" indent="-457200">
+              <a:lnSpc>
+                <a:spcPct val="150000"/>
+              </a:lnSpc>
+              <a:buFont typeface="Wingdings" panose="05000000000000000000" pitchFamily="2" charset="2"/>
+              <a:buChar char="ü"/>
+            </a:pPr>
+            <a:r>
+              <a:rPr lang="pt-BR" sz="2000" dirty="0" smtClean="0">
+                <a:latin typeface="Vital Light Edifier" panose="020B0502040204020203" pitchFamily="34" charset="0"/>
+                <a:cs typeface="Vital Light Edifier" panose="020B0502040204020203" pitchFamily="34" charset="0"/>
+              </a:rPr>
+              <a:t>Contras</a:t>
+            </a:r>
+          </a:p>
+          <a:p>
+            <a:pPr marL="914400" lvl="1" indent="-457200">
+              <a:lnSpc>
+                <a:spcPct val="150000"/>
+              </a:lnSpc>
+              <a:buFont typeface="Wingdings" panose="05000000000000000000" pitchFamily="2" charset="2"/>
+              <a:buChar char="ü"/>
+            </a:pPr>
+            <a:r>
+              <a:rPr lang="pt-BR" sz="2000" dirty="0" smtClean="0">
+                <a:latin typeface="Vital Light Edifier" panose="020B0502040204020203" pitchFamily="34" charset="0"/>
+                <a:cs typeface="Vital Light Edifier" panose="020B0502040204020203" pitchFamily="34" charset="0"/>
+              </a:rPr>
+              <a:t>Nenhuma limitação ou desvantagem aparente</a:t>
+            </a:r>
+            <a:endParaRPr lang="pt-BR" sz="2000" dirty="0">
+              <a:latin typeface="Vital Light Edifier" panose="020B0502040204020203" pitchFamily="34" charset="0"/>
+              <a:cs typeface="Vital Light Edifier" panose="020B0502040204020203" pitchFamily="34" charset="0"/>
+            </a:endParaRPr>
+          </a:p>
+          <a:p>
+            <a:pPr>
+              <a:lnSpc>
+                <a:spcPct val="150000"/>
+              </a:lnSpc>
+            </a:pPr>
+            <a:endParaRPr lang="pt-BR" sz="2000" b="1" dirty="0">
+              <a:latin typeface="Vital Light Edifier" panose="020B0502040204020203" pitchFamily="34" charset="0"/>
+              <a:cs typeface="Vital Light Edifier" panose="020B0502040204020203" pitchFamily="34" charset="0"/>
+            </a:endParaRPr>
+          </a:p>
+        </p:txBody>
+      </p:sp>
+    </p:spTree>
+    <p:extLst>
+      <p:ext uri="{BB962C8B-B14F-4D97-AF65-F5344CB8AC3E}">
+        <p14:creationId xmlns:p14="http://schemas.microsoft.com/office/powerpoint/2010/main" val="1191803382"/>
+      </p:ext>
+    </p:extLst>
+  </p:cSld>
+  <p:clrMapOvr>
+    <a:masterClrMapping/>
+  </p:clrMapOvr>
+  <mc:AlternateContent xmlns:mc="http://schemas.openxmlformats.org/markup-compatibility/2006" xmlns:p14="http://schemas.microsoft.com/office/powerpoint/2010/main">
+    <mc:Choice Requires="p14">
+      <p:transition spd="slow" p14:dur="800">
+        <p14:flythrough dir="out"/>
+      </p:transition>
+    </mc:Choice>
+    <mc:Fallback xmlns="">
+      <p:transition spd="slow">
+        <p:fade/>
+      </p:transition>
+    </mc:Fallback>
+  </mc:AlternateContent>
+  <p:timing>
+    <p:tnLst>
+      <p:par>
+        <p:cTn id="1" dur="indefinite" restart="never" nodeType="tmRoot"/>
+      </p:par>
+    </p:tnLst>
+  </p:timing>
+</p:sld>
+</file>
+
+<file path=ppt/slides/slide12.xml><?xml version="1.0" encoding="utf-8"?>
+<p:sld xmlns:a="http://schemas.openxmlformats.org/drawingml/2006/main" xmlns:r="http://schemas.openxmlformats.org/officeDocument/2006/relationships" xmlns:p="http://schemas.openxmlformats.org/presentationml/2006/main">
+  <p:cSld>
+    <p:spTree>
+      <p:nvGrpSpPr>
+        <p:cNvPr id="1" name=""/>
+        <p:cNvGrpSpPr/>
+        <p:nvPr/>
+      </p:nvGrpSpPr>
+      <p:grpSpPr>
+        <a:xfrm>
+          <a:off x="0" y="0"/>
+          <a:ext cx="0" cy="0"/>
+          <a:chOff x="0" y="0"/>
+          <a:chExt cx="0" cy="0"/>
+        </a:xfrm>
+      </p:grpSpPr>
+      <p:sp>
+        <p:nvSpPr>
+          <p:cNvPr id="7" name="Título 6"/>
+          <p:cNvSpPr>
+            <a:spLocks noGrp="1"/>
+          </p:cNvSpPr>
+          <p:nvPr>
+            <p:ph type="title"/>
+          </p:nvPr>
+        </p:nvSpPr>
+        <p:spPr>
+          <a:xfrm>
+            <a:off x="1835696" y="274638"/>
+            <a:ext cx="6851104" cy="1143000"/>
+          </a:xfrm>
+        </p:spPr>
+        <p:txBody>
+          <a:bodyPr>
+            <a:normAutofit/>
+          </a:bodyPr>
+          <a:lstStyle/>
+          <a:p>
+            <a:pPr algn="r"/>
+            <a:r>
+              <a:rPr lang="pt-BR" sz="3200" b="1" dirty="0" smtClean="0">
+                <a:latin typeface="Vital Light Edifier" panose="020B0502040204020203" pitchFamily="34" charset="0"/>
+                <a:ea typeface="+mn-ea"/>
+                <a:cs typeface="Vital Light Edifier" panose="020B0502040204020203" pitchFamily="34" charset="0"/>
+              </a:rPr>
+              <a:t>Prova de Conceito</a:t>
+            </a:r>
+            <a:endParaRPr lang="pt-BR" sz="3200" b="1" dirty="0">
+              <a:latin typeface="Vital Light Edifier" panose="020B0502040204020203" pitchFamily="34" charset="0"/>
+              <a:ea typeface="+mn-ea"/>
+              <a:cs typeface="Vital Light Edifier" panose="020B0502040204020203" pitchFamily="34" charset="0"/>
+            </a:endParaRPr>
+          </a:p>
+        </p:txBody>
+      </p:sp>
+      <p:sp>
+        <p:nvSpPr>
+          <p:cNvPr id="9" name="CaixaDeTexto 8"/>
+          <p:cNvSpPr txBox="1"/>
+          <p:nvPr/>
+        </p:nvSpPr>
+        <p:spPr>
+          <a:xfrm>
+            <a:off x="467544" y="1340768"/>
+            <a:ext cx="7920880" cy="3323987"/>
+          </a:xfrm>
+          <a:prstGeom prst="rect">
+            <a:avLst/>
+          </a:prstGeom>
+          <a:noFill/>
+        </p:spPr>
+        <p:txBody>
+          <a:bodyPr wrap="square" rtlCol="0">
+            <a:spAutoFit/>
+          </a:bodyPr>
+          <a:lstStyle/>
+          <a:p>
+            <a:pPr>
+              <a:lnSpc>
+                <a:spcPct val="150000"/>
+              </a:lnSpc>
+            </a:pPr>
+            <a:r>
+              <a:rPr lang="pt-BR" sz="2000" b="1" dirty="0" err="1" smtClean="0">
+                <a:latin typeface="Vital Light Edifier" panose="020B0502040204020203" pitchFamily="34" charset="0"/>
+                <a:cs typeface="Vital Light Edifier" panose="020B0502040204020203" pitchFamily="34" charset="0"/>
+              </a:rPr>
+              <a:t>Engine</a:t>
+            </a:r>
+            <a:r>
+              <a:rPr lang="pt-BR" sz="2000" b="1" dirty="0" smtClean="0">
+                <a:latin typeface="Vital Light Edifier" panose="020B0502040204020203" pitchFamily="34" charset="0"/>
+                <a:cs typeface="Vital Light Edifier" panose="020B0502040204020203" pitchFamily="34" charset="0"/>
+              </a:rPr>
+              <a:t> de </a:t>
+            </a:r>
+            <a:r>
+              <a:rPr lang="pt-BR" sz="2000" b="1" dirty="0" err="1" smtClean="0">
+                <a:latin typeface="Vital Light Edifier" panose="020B0502040204020203" pitchFamily="34" charset="0"/>
+                <a:cs typeface="Vital Light Edifier" panose="020B0502040204020203" pitchFamily="34" charset="0"/>
+              </a:rPr>
+              <a:t>View</a:t>
+            </a:r>
+            <a:endParaRPr lang="pt-BR" sz="2000" b="1" dirty="0" smtClean="0">
+              <a:latin typeface="Vital Light Edifier" panose="020B0502040204020203" pitchFamily="34" charset="0"/>
+              <a:cs typeface="Vital Light Edifier" panose="020B0502040204020203" pitchFamily="34" charset="0"/>
+            </a:endParaRPr>
+          </a:p>
+          <a:p>
+            <a:pPr marL="457200" indent="-457200">
+              <a:lnSpc>
+                <a:spcPct val="150000"/>
+              </a:lnSpc>
+              <a:buFont typeface="Wingdings" panose="05000000000000000000" pitchFamily="2" charset="2"/>
+              <a:buChar char="ü"/>
+            </a:pPr>
+            <a:r>
+              <a:rPr lang="pt-BR" sz="2000" dirty="0" smtClean="0">
+                <a:latin typeface="Vital Light Edifier" panose="020B0502040204020203" pitchFamily="34" charset="0"/>
+                <a:cs typeface="Vital Light Edifier" panose="020B0502040204020203" pitchFamily="34" charset="0"/>
+              </a:rPr>
+              <a:t>Prós</a:t>
+            </a:r>
+          </a:p>
+          <a:p>
+            <a:pPr marL="914400" lvl="1" indent="-457200">
+              <a:lnSpc>
+                <a:spcPct val="150000"/>
+              </a:lnSpc>
+              <a:buFont typeface="Wingdings" panose="05000000000000000000" pitchFamily="2" charset="2"/>
+              <a:buChar char="ü"/>
+            </a:pPr>
+            <a:r>
+              <a:rPr lang="pt-BR" sz="2000" dirty="0" smtClean="0">
+                <a:latin typeface="Vital Light Edifier" panose="020B0502040204020203" pitchFamily="34" charset="0"/>
+                <a:cs typeface="Vital Light Edifier" panose="020B0502040204020203" pitchFamily="34" charset="0"/>
+              </a:rPr>
+              <a:t>Qualquer </a:t>
+            </a:r>
+            <a:r>
+              <a:rPr lang="pt-BR" sz="2000" dirty="0" err="1" smtClean="0">
+                <a:latin typeface="Vital Light Edifier" panose="020B0502040204020203" pitchFamily="34" charset="0"/>
+                <a:cs typeface="Vital Light Edifier" panose="020B0502040204020203" pitchFamily="34" charset="0"/>
+              </a:rPr>
+              <a:t>engine</a:t>
+            </a:r>
+            <a:r>
+              <a:rPr lang="pt-BR" sz="2000" dirty="0" smtClean="0">
+                <a:latin typeface="Vital Light Edifier" panose="020B0502040204020203" pitchFamily="34" charset="0"/>
+                <a:cs typeface="Vital Light Edifier" panose="020B0502040204020203" pitchFamily="34" charset="0"/>
+              </a:rPr>
+              <a:t> que rode em Node </a:t>
+            </a:r>
+            <a:r>
+              <a:rPr lang="pt-BR" sz="2000" dirty="0" err="1" smtClean="0">
+                <a:latin typeface="Vital Light Edifier" panose="020B0502040204020203" pitchFamily="34" charset="0"/>
+                <a:cs typeface="Vital Light Edifier" panose="020B0502040204020203" pitchFamily="34" charset="0"/>
+              </a:rPr>
+              <a:t>Js</a:t>
+            </a:r>
+            <a:r>
+              <a:rPr lang="pt-BR" sz="2000" dirty="0" smtClean="0">
+                <a:latin typeface="Vital Light Edifier" panose="020B0502040204020203" pitchFamily="34" charset="0"/>
+                <a:cs typeface="Vital Light Edifier" panose="020B0502040204020203" pitchFamily="34" charset="0"/>
+              </a:rPr>
+              <a:t> pode ser usada</a:t>
+            </a:r>
+          </a:p>
+          <a:p>
+            <a:pPr marL="914400" lvl="1" indent="-457200">
+              <a:lnSpc>
+                <a:spcPct val="150000"/>
+              </a:lnSpc>
+              <a:buFont typeface="Wingdings" panose="05000000000000000000" pitchFamily="2" charset="2"/>
+              <a:buChar char="ü"/>
+            </a:pPr>
+            <a:r>
+              <a:rPr lang="pt-BR" sz="2000" dirty="0" smtClean="0">
+                <a:latin typeface="Vital Light Edifier" panose="020B0502040204020203" pitchFamily="34" charset="0"/>
+                <a:cs typeface="Vital Light Edifier" panose="020B0502040204020203" pitchFamily="34" charset="0"/>
+              </a:rPr>
+              <a:t>Testável e configurável</a:t>
+            </a:r>
+          </a:p>
+          <a:p>
+            <a:pPr marL="457200" indent="-457200">
+              <a:lnSpc>
+                <a:spcPct val="150000"/>
+              </a:lnSpc>
+              <a:buFont typeface="Wingdings" panose="05000000000000000000" pitchFamily="2" charset="2"/>
+              <a:buChar char="ü"/>
+            </a:pPr>
+            <a:r>
+              <a:rPr lang="pt-BR" sz="2000" dirty="0" smtClean="0">
+                <a:latin typeface="Vital Light Edifier" panose="020B0502040204020203" pitchFamily="34" charset="0"/>
+                <a:cs typeface="Vital Light Edifier" panose="020B0502040204020203" pitchFamily="34" charset="0"/>
+              </a:rPr>
+              <a:t>Contras</a:t>
+            </a:r>
+          </a:p>
+          <a:p>
+            <a:pPr marL="914400" lvl="1" indent="-457200">
+              <a:lnSpc>
+                <a:spcPct val="150000"/>
+              </a:lnSpc>
+              <a:buFont typeface="Wingdings" panose="05000000000000000000" pitchFamily="2" charset="2"/>
+              <a:buChar char="ü"/>
+            </a:pPr>
+            <a:r>
+              <a:rPr lang="pt-BR" sz="2000" dirty="0" smtClean="0">
+                <a:latin typeface="Vital Light Edifier" panose="020B0502040204020203" pitchFamily="34" charset="0"/>
+                <a:cs typeface="Vital Light Edifier" panose="020B0502040204020203" pitchFamily="34" charset="0"/>
+              </a:rPr>
+              <a:t>Curva de aprendizado</a:t>
+            </a:r>
+            <a:endParaRPr lang="pt-BR" sz="2000" dirty="0">
+              <a:latin typeface="Vital Light Edifier" panose="020B0502040204020203" pitchFamily="34" charset="0"/>
+              <a:cs typeface="Vital Light Edifier" panose="020B0502040204020203" pitchFamily="34" charset="0"/>
+            </a:endParaRPr>
+          </a:p>
+          <a:p>
+            <a:pPr>
+              <a:lnSpc>
+                <a:spcPct val="150000"/>
+              </a:lnSpc>
+            </a:pPr>
+            <a:endParaRPr lang="pt-BR" sz="2000" b="1" dirty="0">
+              <a:latin typeface="Vital Light Edifier" panose="020B0502040204020203" pitchFamily="34" charset="0"/>
+              <a:cs typeface="Vital Light Edifier" panose="020B0502040204020203" pitchFamily="34" charset="0"/>
+            </a:endParaRPr>
+          </a:p>
+        </p:txBody>
+      </p:sp>
+    </p:spTree>
+    <p:extLst>
+      <p:ext uri="{BB962C8B-B14F-4D97-AF65-F5344CB8AC3E}">
+        <p14:creationId xmlns:p14="http://schemas.microsoft.com/office/powerpoint/2010/main" val="1812419241"/>
+      </p:ext>
+    </p:extLst>
+  </p:cSld>
+  <p:clrMapOvr>
+    <a:masterClrMapping/>
+  </p:clrMapOvr>
+  <mc:AlternateContent xmlns:mc="http://schemas.openxmlformats.org/markup-compatibility/2006" xmlns:p14="http://schemas.microsoft.com/office/powerpoint/2010/main">
+    <mc:Choice Requires="p14">
+      <p:transition spd="slow" p14:dur="800">
+        <p14:flythrough dir="out"/>
+      </p:transition>
+    </mc:Choice>
+    <mc:Fallback xmlns="">
+      <p:transition spd="slow">
+        <p:fade/>
+      </p:transition>
+    </mc:Fallback>
+  </mc:AlternateContent>
+  <p:timing>
+    <p:tnLst>
+      <p:par>
+        <p:cTn id="1" dur="indefinite" restart="never" nodeType="tmRoot"/>
+      </p:par>
+    </p:tnLst>
+  </p:timing>
+</p:sld>
+</file>
+
+<file path=ppt/slides/slide13.xml><?xml version="1.0" encoding="utf-8"?>
+<p:sld xmlns:a="http://schemas.openxmlformats.org/drawingml/2006/main" xmlns:r="http://schemas.openxmlformats.org/officeDocument/2006/relationships" xmlns:p="http://schemas.openxmlformats.org/presentationml/2006/main">
+  <p:cSld>
+    <p:spTree>
+      <p:nvGrpSpPr>
+        <p:cNvPr id="1" name=""/>
+        <p:cNvGrpSpPr/>
+        <p:nvPr/>
+      </p:nvGrpSpPr>
+      <p:grpSpPr>
+        <a:xfrm>
+          <a:off x="0" y="0"/>
+          <a:ext cx="0" cy="0"/>
+          <a:chOff x="0" y="0"/>
+          <a:chExt cx="0" cy="0"/>
+        </a:xfrm>
+      </p:grpSpPr>
+      <p:sp>
+        <p:nvSpPr>
+          <p:cNvPr id="7" name="Título 6"/>
+          <p:cNvSpPr>
+            <a:spLocks noGrp="1"/>
+          </p:cNvSpPr>
+          <p:nvPr>
+            <p:ph type="title"/>
+          </p:nvPr>
+        </p:nvSpPr>
+        <p:spPr>
+          <a:xfrm>
+            <a:off x="1835696" y="274638"/>
+            <a:ext cx="6851104" cy="1143000"/>
+          </a:xfrm>
+        </p:spPr>
+        <p:txBody>
+          <a:bodyPr>
+            <a:normAutofit/>
+          </a:bodyPr>
+          <a:lstStyle/>
+          <a:p>
+            <a:pPr algn="r"/>
+            <a:r>
+              <a:rPr lang="pt-BR" sz="3200" b="1" dirty="0" smtClean="0">
+                <a:latin typeface="Vital Light Edifier" panose="020B0502040204020203" pitchFamily="34" charset="0"/>
+                <a:ea typeface="+mn-ea"/>
+                <a:cs typeface="Vital Light Edifier" panose="020B0502040204020203" pitchFamily="34" charset="0"/>
+              </a:rPr>
+              <a:t>Prova de Conceito</a:t>
+            </a:r>
+            <a:endParaRPr lang="pt-BR" sz="3200" b="1" dirty="0">
+              <a:latin typeface="Vital Light Edifier" panose="020B0502040204020203" pitchFamily="34" charset="0"/>
+              <a:ea typeface="+mn-ea"/>
+              <a:cs typeface="Vital Light Edifier" panose="020B0502040204020203" pitchFamily="34" charset="0"/>
+            </a:endParaRPr>
+          </a:p>
+        </p:txBody>
+      </p:sp>
+      <p:sp>
+        <p:nvSpPr>
+          <p:cNvPr id="9" name="CaixaDeTexto 8"/>
+          <p:cNvSpPr txBox="1"/>
+          <p:nvPr/>
+        </p:nvSpPr>
+        <p:spPr>
+          <a:xfrm>
+            <a:off x="467544" y="1340768"/>
+            <a:ext cx="7920880" cy="3785652"/>
+          </a:xfrm>
+          <a:prstGeom prst="rect">
+            <a:avLst/>
+          </a:prstGeom>
+          <a:noFill/>
+        </p:spPr>
+        <p:txBody>
+          <a:bodyPr wrap="square" rtlCol="0">
+            <a:spAutoFit/>
+          </a:bodyPr>
+          <a:lstStyle/>
+          <a:p>
+            <a:pPr>
+              <a:lnSpc>
+                <a:spcPct val="150000"/>
+              </a:lnSpc>
+            </a:pPr>
+            <a:r>
+              <a:rPr lang="pt-BR" sz="2000" b="1" dirty="0" smtClean="0">
+                <a:latin typeface="Vital Light Edifier" panose="020B0502040204020203" pitchFamily="34" charset="0"/>
+                <a:cs typeface="Vital Light Edifier" panose="020B0502040204020203" pitchFamily="34" charset="0"/>
+              </a:rPr>
+              <a:t>Transações</a:t>
+            </a:r>
+            <a:endParaRPr lang="pt-BR" sz="2000" b="1" dirty="0" smtClean="0">
+              <a:latin typeface="Vital Light Edifier" panose="020B0502040204020203" pitchFamily="34" charset="0"/>
+              <a:cs typeface="Vital Light Edifier" panose="020B0502040204020203" pitchFamily="34" charset="0"/>
+            </a:endParaRPr>
+          </a:p>
+          <a:p>
+            <a:pPr marL="457200" indent="-457200">
+              <a:lnSpc>
+                <a:spcPct val="150000"/>
+              </a:lnSpc>
+              <a:buFont typeface="Wingdings" panose="05000000000000000000" pitchFamily="2" charset="2"/>
+              <a:buChar char="ü"/>
+            </a:pPr>
+            <a:r>
+              <a:rPr lang="pt-BR" sz="2000" dirty="0" smtClean="0">
+                <a:latin typeface="Vital Light Edifier" panose="020B0502040204020203" pitchFamily="34" charset="0"/>
+                <a:cs typeface="Vital Light Edifier" panose="020B0502040204020203" pitchFamily="34" charset="0"/>
+              </a:rPr>
+              <a:t>Prós</a:t>
+            </a:r>
+          </a:p>
+          <a:p>
+            <a:pPr marL="914400" lvl="1" indent="-457200">
+              <a:lnSpc>
+                <a:spcPct val="150000"/>
+              </a:lnSpc>
+              <a:buFont typeface="Wingdings" panose="05000000000000000000" pitchFamily="2" charset="2"/>
+              <a:buChar char="ü"/>
+            </a:pPr>
+            <a:r>
+              <a:rPr lang="pt-BR" sz="2000" dirty="0" smtClean="0">
+                <a:latin typeface="Vital Light Edifier" panose="020B0502040204020203" pitchFamily="34" charset="0"/>
+                <a:cs typeface="Vital Light Edifier" panose="020B0502040204020203" pitchFamily="34" charset="0"/>
+              </a:rPr>
+              <a:t>Suporte SQL Server, </a:t>
+            </a:r>
+            <a:r>
+              <a:rPr lang="pt-BR" sz="2000" dirty="0" err="1" smtClean="0">
+                <a:latin typeface="Vital Light Edifier" panose="020B0502040204020203" pitchFamily="34" charset="0"/>
+                <a:cs typeface="Vital Light Edifier" panose="020B0502040204020203" pitchFamily="34" charset="0"/>
+              </a:rPr>
+              <a:t>MySql</a:t>
+            </a:r>
+            <a:r>
+              <a:rPr lang="pt-BR" sz="2000" dirty="0" smtClean="0">
+                <a:latin typeface="Vital Light Edifier" panose="020B0502040204020203" pitchFamily="34" charset="0"/>
+                <a:cs typeface="Vital Light Edifier" panose="020B0502040204020203" pitchFamily="34" charset="0"/>
+              </a:rPr>
+              <a:t>, </a:t>
+            </a:r>
+            <a:r>
+              <a:rPr lang="pt-BR" sz="2000" dirty="0" err="1" smtClean="0">
+                <a:latin typeface="Vital Light Edifier" panose="020B0502040204020203" pitchFamily="34" charset="0"/>
+                <a:cs typeface="Vital Light Edifier" panose="020B0502040204020203" pitchFamily="34" charset="0"/>
+              </a:rPr>
+              <a:t>oracle</a:t>
+            </a:r>
+            <a:r>
+              <a:rPr lang="pt-BR" sz="2000" dirty="0" smtClean="0">
+                <a:latin typeface="Vital Light Edifier" panose="020B0502040204020203" pitchFamily="34" charset="0"/>
+                <a:cs typeface="Vital Light Edifier" panose="020B0502040204020203" pitchFamily="34" charset="0"/>
+              </a:rPr>
+              <a:t> e outros</a:t>
+            </a:r>
+          </a:p>
+          <a:p>
+            <a:pPr marL="914400" lvl="1" indent="-457200">
+              <a:lnSpc>
+                <a:spcPct val="150000"/>
+              </a:lnSpc>
+              <a:buFont typeface="Wingdings" panose="05000000000000000000" pitchFamily="2" charset="2"/>
+              <a:buChar char="ü"/>
+            </a:pPr>
+            <a:r>
+              <a:rPr lang="pt-BR" sz="2000" dirty="0" smtClean="0">
+                <a:latin typeface="Vital Light Edifier" panose="020B0502040204020203" pitchFamily="34" charset="0"/>
+                <a:cs typeface="Vital Light Edifier" panose="020B0502040204020203" pitchFamily="34" charset="0"/>
+              </a:rPr>
+              <a:t>Permite propagação e controle total</a:t>
+            </a:r>
+          </a:p>
+          <a:p>
+            <a:pPr marL="457200" indent="-457200">
+              <a:lnSpc>
+                <a:spcPct val="150000"/>
+              </a:lnSpc>
+              <a:buFont typeface="Wingdings" panose="05000000000000000000" pitchFamily="2" charset="2"/>
+              <a:buChar char="ü"/>
+            </a:pPr>
+            <a:r>
+              <a:rPr lang="pt-BR" sz="2000" dirty="0" smtClean="0">
+                <a:latin typeface="Vital Light Edifier" panose="020B0502040204020203" pitchFamily="34" charset="0"/>
+                <a:cs typeface="Vital Light Edifier" panose="020B0502040204020203" pitchFamily="34" charset="0"/>
+              </a:rPr>
+              <a:t>Contras</a:t>
+            </a:r>
+          </a:p>
+          <a:p>
+            <a:pPr marL="914400" lvl="1" indent="-457200">
+              <a:lnSpc>
+                <a:spcPct val="150000"/>
+              </a:lnSpc>
+              <a:buFont typeface="Wingdings" panose="05000000000000000000" pitchFamily="2" charset="2"/>
+              <a:buChar char="ü"/>
+            </a:pPr>
+            <a:r>
+              <a:rPr lang="pt-BR" sz="2000" dirty="0" smtClean="0">
+                <a:latin typeface="Vital Light Edifier" panose="020B0502040204020203" pitchFamily="34" charset="0"/>
+                <a:cs typeface="Vital Light Edifier" panose="020B0502040204020203" pitchFamily="34" charset="0"/>
+              </a:rPr>
+              <a:t>Curva de aprendizado</a:t>
+            </a:r>
+          </a:p>
+          <a:p>
+            <a:pPr marL="914400" lvl="1" indent="-457200">
+              <a:lnSpc>
+                <a:spcPct val="150000"/>
+              </a:lnSpc>
+              <a:buFont typeface="Wingdings" panose="05000000000000000000" pitchFamily="2" charset="2"/>
+              <a:buChar char="ü"/>
+            </a:pPr>
+            <a:r>
+              <a:rPr lang="pt-BR" sz="2000" dirty="0" smtClean="0">
+                <a:latin typeface="Vital Light Edifier" panose="020B0502040204020203" pitchFamily="34" charset="0"/>
+                <a:cs typeface="Vital Light Edifier" panose="020B0502040204020203" pitchFamily="34" charset="0"/>
+              </a:rPr>
+              <a:t>Acoplado a modelo</a:t>
+            </a:r>
+            <a:endParaRPr lang="pt-BR" sz="2000" dirty="0">
+              <a:latin typeface="Vital Light Edifier" panose="020B0502040204020203" pitchFamily="34" charset="0"/>
+              <a:cs typeface="Vital Light Edifier" panose="020B0502040204020203" pitchFamily="34" charset="0"/>
+            </a:endParaRPr>
+          </a:p>
+          <a:p>
+            <a:pPr>
+              <a:lnSpc>
+                <a:spcPct val="150000"/>
+              </a:lnSpc>
+            </a:pPr>
+            <a:endParaRPr lang="pt-BR" sz="2000" b="1" dirty="0">
+              <a:latin typeface="Vital Light Edifier" panose="020B0502040204020203" pitchFamily="34" charset="0"/>
+              <a:cs typeface="Vital Light Edifier" panose="020B0502040204020203" pitchFamily="34" charset="0"/>
+            </a:endParaRPr>
+          </a:p>
+        </p:txBody>
+      </p:sp>
+    </p:spTree>
+    <p:extLst>
+      <p:ext uri="{BB962C8B-B14F-4D97-AF65-F5344CB8AC3E}">
+        <p14:creationId xmlns:p14="http://schemas.microsoft.com/office/powerpoint/2010/main" val="4124772404"/>
+      </p:ext>
+    </p:extLst>
+  </p:cSld>
+  <p:clrMapOvr>
+    <a:masterClrMapping/>
+  </p:clrMapOvr>
+  <mc:AlternateContent xmlns:mc="http://schemas.openxmlformats.org/markup-compatibility/2006" xmlns:p14="http://schemas.microsoft.com/office/powerpoint/2010/main">
+    <mc:Choice Requires="p14">
+      <p:transition spd="slow" p14:dur="800">
+        <p14:flythrough dir="out"/>
+      </p:transition>
+    </mc:Choice>
+    <mc:Fallback xmlns="">
+      <p:transition spd="slow">
+        <p:fade/>
+      </p:transition>
+    </mc:Fallback>
+  </mc:AlternateContent>
+  <p:timing>
+    <p:tnLst>
+      <p:par>
+        <p:cTn id="1" dur="indefinite" restart="never" nodeType="tmRoot"/>
+      </p:par>
+    </p:tnLst>
+  </p:timing>
+</p:sld>
+</file>
+
+<file path=ppt/slides/slide14.xml><?xml version="1.0" encoding="utf-8"?>
+<p:sld xmlns:a="http://schemas.openxmlformats.org/drawingml/2006/main" xmlns:r="http://schemas.openxmlformats.org/officeDocument/2006/relationships" xmlns:p="http://schemas.openxmlformats.org/presentationml/2006/main">
+  <p:cSld>
+    <p:spTree>
+      <p:nvGrpSpPr>
+        <p:cNvPr id="1" name=""/>
+        <p:cNvGrpSpPr/>
+        <p:nvPr/>
+      </p:nvGrpSpPr>
+      <p:grpSpPr>
+        <a:xfrm>
+          <a:off x="0" y="0"/>
+          <a:ext cx="0" cy="0"/>
+          <a:chOff x="0" y="0"/>
+          <a:chExt cx="0" cy="0"/>
+        </a:xfrm>
+      </p:grpSpPr>
+      <p:sp>
+        <p:nvSpPr>
+          <p:cNvPr id="7" name="Título 6"/>
+          <p:cNvSpPr>
+            <a:spLocks noGrp="1"/>
+          </p:cNvSpPr>
+          <p:nvPr>
+            <p:ph type="title"/>
+          </p:nvPr>
+        </p:nvSpPr>
+        <p:spPr>
+          <a:xfrm>
+            <a:off x="1835696" y="274638"/>
+            <a:ext cx="6851104" cy="1143000"/>
+          </a:xfrm>
+        </p:spPr>
+        <p:txBody>
+          <a:bodyPr>
+            <a:normAutofit/>
+          </a:bodyPr>
+          <a:lstStyle/>
+          <a:p>
+            <a:pPr algn="r"/>
+            <a:r>
+              <a:rPr lang="pt-BR" sz="3200" b="1" dirty="0" smtClean="0">
+                <a:latin typeface="Vital Light Edifier" panose="020B0502040204020203" pitchFamily="34" charset="0"/>
+                <a:ea typeface="+mn-ea"/>
+                <a:cs typeface="Vital Light Edifier" panose="020B0502040204020203" pitchFamily="34" charset="0"/>
+              </a:rPr>
+              <a:t>Prova de Conceito</a:t>
+            </a:r>
+            <a:endParaRPr lang="pt-BR" sz="3200" b="1" dirty="0">
+              <a:latin typeface="Vital Light Edifier" panose="020B0502040204020203" pitchFamily="34" charset="0"/>
+              <a:ea typeface="+mn-ea"/>
+              <a:cs typeface="Vital Light Edifier" panose="020B0502040204020203" pitchFamily="34" charset="0"/>
+            </a:endParaRPr>
+          </a:p>
+        </p:txBody>
+      </p:sp>
+      <p:sp>
+        <p:nvSpPr>
+          <p:cNvPr id="9" name="CaixaDeTexto 8"/>
+          <p:cNvSpPr txBox="1"/>
+          <p:nvPr/>
+        </p:nvSpPr>
+        <p:spPr>
+          <a:xfrm>
+            <a:off x="467544" y="1340768"/>
+            <a:ext cx="7920880" cy="3323987"/>
+          </a:xfrm>
+          <a:prstGeom prst="rect">
+            <a:avLst/>
+          </a:prstGeom>
+          <a:noFill/>
+        </p:spPr>
+        <p:txBody>
+          <a:bodyPr wrap="square" rtlCol="0">
+            <a:spAutoFit/>
+          </a:bodyPr>
+          <a:lstStyle/>
+          <a:p>
+            <a:pPr>
+              <a:lnSpc>
+                <a:spcPct val="150000"/>
+              </a:lnSpc>
+            </a:pPr>
+            <a:r>
+              <a:rPr lang="pt-BR" sz="2000" b="1" dirty="0" smtClean="0">
+                <a:latin typeface="Vital Light Edifier" panose="020B0502040204020203" pitchFamily="34" charset="0"/>
+                <a:cs typeface="Vital Light Edifier" panose="020B0502040204020203" pitchFamily="34" charset="0"/>
+              </a:rPr>
+              <a:t>Geração de </a:t>
+            </a:r>
+            <a:r>
+              <a:rPr lang="pt-BR" sz="2000" b="1" dirty="0" err="1" smtClean="0">
+                <a:latin typeface="Vital Light Edifier" panose="020B0502040204020203" pitchFamily="34" charset="0"/>
+                <a:cs typeface="Vital Light Edifier" panose="020B0502040204020203" pitchFamily="34" charset="0"/>
+              </a:rPr>
+              <a:t>Pdf</a:t>
+            </a:r>
+            <a:endParaRPr lang="pt-BR" sz="2000" b="1" dirty="0" smtClean="0">
+              <a:latin typeface="Vital Light Edifier" panose="020B0502040204020203" pitchFamily="34" charset="0"/>
+              <a:cs typeface="Vital Light Edifier" panose="020B0502040204020203" pitchFamily="34" charset="0"/>
+            </a:endParaRPr>
+          </a:p>
+          <a:p>
+            <a:pPr marL="457200" indent="-457200">
+              <a:lnSpc>
+                <a:spcPct val="150000"/>
+              </a:lnSpc>
+              <a:buFont typeface="Wingdings" panose="05000000000000000000" pitchFamily="2" charset="2"/>
+              <a:buChar char="ü"/>
+            </a:pPr>
+            <a:r>
+              <a:rPr lang="pt-BR" sz="2000" dirty="0" smtClean="0">
+                <a:latin typeface="Vital Light Edifier" panose="020B0502040204020203" pitchFamily="34" charset="0"/>
+                <a:cs typeface="Vital Light Edifier" panose="020B0502040204020203" pitchFamily="34" charset="0"/>
+              </a:rPr>
+              <a:t>Prós</a:t>
+            </a:r>
+          </a:p>
+          <a:p>
+            <a:pPr marL="914400" lvl="1" indent="-457200">
+              <a:lnSpc>
+                <a:spcPct val="150000"/>
+              </a:lnSpc>
+              <a:buFont typeface="Wingdings" panose="05000000000000000000" pitchFamily="2" charset="2"/>
+              <a:buChar char="ü"/>
+            </a:pPr>
+            <a:r>
+              <a:rPr lang="pt-BR" sz="2000" dirty="0" smtClean="0">
+                <a:latin typeface="Vital Light Edifier" panose="020B0502040204020203" pitchFamily="34" charset="0"/>
+                <a:cs typeface="Vital Light Edifier" panose="020B0502040204020203" pitchFamily="34" charset="0"/>
+              </a:rPr>
+              <a:t>Qualquer </a:t>
+            </a:r>
+            <a:r>
+              <a:rPr lang="pt-BR" sz="2000" dirty="0" err="1" smtClean="0">
+                <a:latin typeface="Vital Light Edifier" panose="020B0502040204020203" pitchFamily="34" charset="0"/>
+                <a:cs typeface="Vital Light Edifier" panose="020B0502040204020203" pitchFamily="34" charset="0"/>
+              </a:rPr>
+              <a:t>engine</a:t>
+            </a:r>
+            <a:r>
+              <a:rPr lang="pt-BR" sz="2000" dirty="0" smtClean="0">
+                <a:latin typeface="Vital Light Edifier" panose="020B0502040204020203" pitchFamily="34" charset="0"/>
+                <a:cs typeface="Vital Light Edifier" panose="020B0502040204020203" pitchFamily="34" charset="0"/>
+              </a:rPr>
+              <a:t> que rode em Node </a:t>
+            </a:r>
+            <a:r>
+              <a:rPr lang="pt-BR" sz="2000" dirty="0" err="1" smtClean="0">
+                <a:latin typeface="Vital Light Edifier" panose="020B0502040204020203" pitchFamily="34" charset="0"/>
+                <a:cs typeface="Vital Light Edifier" panose="020B0502040204020203" pitchFamily="34" charset="0"/>
+              </a:rPr>
+              <a:t>Js</a:t>
+            </a:r>
+            <a:r>
+              <a:rPr lang="pt-BR" sz="2000" dirty="0" smtClean="0">
+                <a:latin typeface="Vital Light Edifier" panose="020B0502040204020203" pitchFamily="34" charset="0"/>
+                <a:cs typeface="Vital Light Edifier" panose="020B0502040204020203" pitchFamily="34" charset="0"/>
+              </a:rPr>
+              <a:t> pode ser usada</a:t>
+            </a:r>
+          </a:p>
+          <a:p>
+            <a:pPr marL="914400" lvl="1" indent="-457200">
+              <a:lnSpc>
+                <a:spcPct val="150000"/>
+              </a:lnSpc>
+              <a:buFont typeface="Wingdings" panose="05000000000000000000" pitchFamily="2" charset="2"/>
+              <a:buChar char="ü"/>
+            </a:pPr>
+            <a:r>
+              <a:rPr lang="pt-BR" sz="2000" dirty="0" smtClean="0">
+                <a:latin typeface="Vital Light Edifier" panose="020B0502040204020203" pitchFamily="34" charset="0"/>
+                <a:cs typeface="Vital Light Edifier" panose="020B0502040204020203" pitchFamily="34" charset="0"/>
+              </a:rPr>
+              <a:t>Testável e configurável</a:t>
+            </a:r>
+          </a:p>
+          <a:p>
+            <a:pPr marL="457200" indent="-457200">
+              <a:lnSpc>
+                <a:spcPct val="150000"/>
+              </a:lnSpc>
+              <a:buFont typeface="Wingdings" panose="05000000000000000000" pitchFamily="2" charset="2"/>
+              <a:buChar char="ü"/>
+            </a:pPr>
+            <a:r>
+              <a:rPr lang="pt-BR" sz="2000" dirty="0" smtClean="0">
+                <a:latin typeface="Vital Light Edifier" panose="020B0502040204020203" pitchFamily="34" charset="0"/>
+                <a:cs typeface="Vital Light Edifier" panose="020B0502040204020203" pitchFamily="34" charset="0"/>
+              </a:rPr>
+              <a:t>Contras</a:t>
+            </a:r>
+          </a:p>
+          <a:p>
+            <a:pPr marL="914400" lvl="1" indent="-457200">
+              <a:lnSpc>
+                <a:spcPct val="150000"/>
+              </a:lnSpc>
+              <a:buFont typeface="Wingdings" panose="05000000000000000000" pitchFamily="2" charset="2"/>
+              <a:buChar char="ü"/>
+            </a:pPr>
+            <a:r>
+              <a:rPr lang="pt-BR" sz="2000" dirty="0" smtClean="0">
+                <a:latin typeface="Vital Light Edifier" panose="020B0502040204020203" pitchFamily="34" charset="0"/>
+                <a:cs typeface="Vital Light Edifier" panose="020B0502040204020203" pitchFamily="34" charset="0"/>
+              </a:rPr>
+              <a:t>Curva de aprendizado</a:t>
+            </a:r>
+            <a:endParaRPr lang="pt-BR" sz="2000" dirty="0">
+              <a:latin typeface="Vital Light Edifier" panose="020B0502040204020203" pitchFamily="34" charset="0"/>
+              <a:cs typeface="Vital Light Edifier" panose="020B0502040204020203" pitchFamily="34" charset="0"/>
+            </a:endParaRPr>
+          </a:p>
+          <a:p>
+            <a:pPr>
+              <a:lnSpc>
+                <a:spcPct val="150000"/>
+              </a:lnSpc>
+            </a:pPr>
+            <a:endParaRPr lang="pt-BR" sz="2000" b="1" dirty="0">
+              <a:latin typeface="Vital Light Edifier" panose="020B0502040204020203" pitchFamily="34" charset="0"/>
+              <a:cs typeface="Vital Light Edifier" panose="020B0502040204020203" pitchFamily="34" charset="0"/>
+            </a:endParaRPr>
+          </a:p>
+        </p:txBody>
+      </p:sp>
+    </p:spTree>
+    <p:extLst>
+      <p:ext uri="{BB962C8B-B14F-4D97-AF65-F5344CB8AC3E}">
+        <p14:creationId xmlns:p14="http://schemas.microsoft.com/office/powerpoint/2010/main" val="4160262301"/>
+      </p:ext>
+    </p:extLst>
+  </p:cSld>
+  <p:clrMapOvr>
+    <a:masterClrMapping/>
+  </p:clrMapOvr>
+  <mc:AlternateContent xmlns:mc="http://schemas.openxmlformats.org/markup-compatibility/2006" xmlns:p14="http://schemas.microsoft.com/office/powerpoint/2010/main">
+    <mc:Choice Requires="p14">
+      <p:transition spd="slow" p14:dur="800">
+        <p14:flythrough dir="out"/>
+      </p:transition>
+    </mc:Choice>
+    <mc:Fallback xmlns="">
+      <p:transition spd="slow">
+        <p:fade/>
+      </p:transition>
+    </mc:Fallback>
+  </mc:AlternateContent>
+  <p:timing>
+    <p:tnLst>
+      <p:par>
+        <p:cTn id="1" dur="indefinite" restart="never" nodeType="tmRoot"/>
+      </p:par>
+    </p:tnLst>
+  </p:timing>
+</p:sld>
+</file>
+
+<file path=ppt/slides/slide15.xml><?xml version="1.0" encoding="utf-8"?>
+<p:sld xmlns:a="http://schemas.openxmlformats.org/drawingml/2006/main" xmlns:r="http://schemas.openxmlformats.org/officeDocument/2006/relationships" xmlns:p="http://schemas.openxmlformats.org/presentationml/2006/main">
+  <p:cSld>
+    <p:spTree>
+      <p:nvGrpSpPr>
+        <p:cNvPr id="1" name=""/>
+        <p:cNvGrpSpPr/>
+        <p:nvPr/>
+      </p:nvGrpSpPr>
+      <p:grpSpPr>
+        <a:xfrm>
+          <a:off x="0" y="0"/>
+          <a:ext cx="0" cy="0"/>
+          <a:chOff x="0" y="0"/>
+          <a:chExt cx="0" cy="0"/>
+        </a:xfrm>
+      </p:grpSpPr>
+      <p:sp>
+        <p:nvSpPr>
+          <p:cNvPr id="7" name="Título 6"/>
+          <p:cNvSpPr>
+            <a:spLocks noGrp="1"/>
+          </p:cNvSpPr>
+          <p:nvPr>
+            <p:ph type="title"/>
+          </p:nvPr>
+        </p:nvSpPr>
+        <p:spPr>
+          <a:xfrm>
+            <a:off x="1835696" y="274638"/>
+            <a:ext cx="6851104" cy="1143000"/>
+          </a:xfrm>
+        </p:spPr>
+        <p:txBody>
+          <a:bodyPr>
+            <a:normAutofit/>
+          </a:bodyPr>
+          <a:lstStyle/>
+          <a:p>
+            <a:pPr algn="r"/>
+            <a:r>
+              <a:rPr lang="pt-BR" sz="3200" b="1" dirty="0" smtClean="0">
+                <a:latin typeface="Vital Light Edifier" panose="020B0502040204020203" pitchFamily="34" charset="0"/>
+                <a:ea typeface="+mn-ea"/>
+                <a:cs typeface="Vital Light Edifier" panose="020B0502040204020203" pitchFamily="34" charset="0"/>
+              </a:rPr>
+              <a:t>Conclusões</a:t>
+            </a:r>
+            <a:endParaRPr lang="pt-BR" sz="3200" b="1" dirty="0">
+              <a:latin typeface="Vital Light Edifier" panose="020B0502040204020203" pitchFamily="34" charset="0"/>
+              <a:ea typeface="+mn-ea"/>
+              <a:cs typeface="Vital Light Edifier" panose="020B0502040204020203" pitchFamily="34" charset="0"/>
+            </a:endParaRPr>
+          </a:p>
+        </p:txBody>
+      </p:sp>
+      <p:sp>
+        <p:nvSpPr>
+          <p:cNvPr id="9" name="CaixaDeTexto 8"/>
+          <p:cNvSpPr txBox="1"/>
+          <p:nvPr/>
+        </p:nvSpPr>
+        <p:spPr>
+          <a:xfrm>
+            <a:off x="467544" y="1340768"/>
+            <a:ext cx="7920880" cy="3323987"/>
+          </a:xfrm>
+          <a:prstGeom prst="rect">
+            <a:avLst/>
+          </a:prstGeom>
+          <a:noFill/>
+        </p:spPr>
+        <p:txBody>
+          <a:bodyPr wrap="square" rtlCol="0">
+            <a:spAutoFit/>
+          </a:bodyPr>
+          <a:lstStyle/>
+          <a:p>
+            <a:pPr>
+              <a:lnSpc>
+                <a:spcPct val="150000"/>
+              </a:lnSpc>
+            </a:pPr>
+            <a:r>
+              <a:rPr lang="pt-BR" sz="2000" b="1" dirty="0" smtClean="0">
+                <a:latin typeface="Vital Light Edifier" panose="020B0502040204020203" pitchFamily="34" charset="0"/>
+                <a:cs typeface="Vital Light Edifier" panose="020B0502040204020203" pitchFamily="34" charset="0"/>
+              </a:rPr>
+              <a:t>Node </a:t>
+            </a:r>
+            <a:r>
+              <a:rPr lang="pt-BR" sz="2000" b="1" dirty="0" err="1" smtClean="0">
+                <a:latin typeface="Vital Light Edifier" panose="020B0502040204020203" pitchFamily="34" charset="0"/>
+                <a:cs typeface="Vital Light Edifier" panose="020B0502040204020203" pitchFamily="34" charset="0"/>
+              </a:rPr>
+              <a:t>Js</a:t>
+            </a:r>
+            <a:r>
+              <a:rPr lang="pt-BR" sz="2000" b="1" dirty="0" smtClean="0">
+                <a:latin typeface="Vital Light Edifier" panose="020B0502040204020203" pitchFamily="34" charset="0"/>
+                <a:cs typeface="Vital Light Edifier" panose="020B0502040204020203" pitchFamily="34" charset="0"/>
+              </a:rPr>
+              <a:t> e </a:t>
+            </a:r>
+            <a:r>
+              <a:rPr lang="pt-BR" sz="2000" b="1" dirty="0" err="1" smtClean="0">
+                <a:latin typeface="Vital Light Edifier" panose="020B0502040204020203" pitchFamily="34" charset="0"/>
+                <a:cs typeface="Vital Light Edifier" panose="020B0502040204020203" pitchFamily="34" charset="0"/>
+              </a:rPr>
+              <a:t>Loopback</a:t>
+            </a:r>
+            <a:endParaRPr lang="pt-BR" sz="2000" b="1" dirty="0" smtClean="0">
+              <a:latin typeface="Vital Light Edifier" panose="020B0502040204020203" pitchFamily="34" charset="0"/>
+              <a:cs typeface="Vital Light Edifier" panose="020B0502040204020203" pitchFamily="34" charset="0"/>
+            </a:endParaRPr>
+          </a:p>
+          <a:p>
+            <a:pPr algn="just">
+              <a:lnSpc>
+                <a:spcPct val="150000"/>
+              </a:lnSpc>
+            </a:pPr>
+            <a:r>
+              <a:rPr lang="pt-BR" sz="2000" i="1" dirty="0" smtClean="0">
+                <a:solidFill>
+                  <a:schemeClr val="tx1">
+                    <a:lumMod val="65000"/>
+                    <a:lumOff val="35000"/>
+                  </a:schemeClr>
+                </a:solidFill>
+              </a:rPr>
+              <a:t>De fácil uso, configurável e testável</a:t>
+            </a:r>
+            <a:r>
+              <a:rPr lang="en-US" sz="2000" i="1" dirty="0" smtClean="0">
+                <a:solidFill>
+                  <a:schemeClr val="tx1">
+                    <a:lumMod val="65000"/>
+                    <a:lumOff val="35000"/>
+                  </a:schemeClr>
+                </a:solidFill>
+              </a:rPr>
+              <a:t>. </a:t>
+            </a:r>
+            <a:r>
+              <a:rPr lang="pt-BR" sz="2000" i="1" dirty="0" smtClean="0">
+                <a:solidFill>
+                  <a:schemeClr val="tx1">
+                    <a:lumMod val="65000"/>
+                    <a:lumOff val="35000"/>
+                  </a:schemeClr>
+                </a:solidFill>
+              </a:rPr>
+              <a:t>Excelente para uso em projeto de pequeno porte ou baixo orçamento. Vale investimento para tornar um ferramenta de </a:t>
+            </a:r>
+            <a:r>
+              <a:rPr lang="pt-BR" sz="2000" i="1" dirty="0" err="1" smtClean="0">
+                <a:solidFill>
+                  <a:schemeClr val="tx1">
+                    <a:lumMod val="65000"/>
+                    <a:lumOff val="35000"/>
+                  </a:schemeClr>
+                </a:solidFill>
+              </a:rPr>
+              <a:t>protipagem</a:t>
+            </a:r>
+            <a:r>
+              <a:rPr lang="pt-BR" sz="2000" i="1" dirty="0" smtClean="0">
+                <a:solidFill>
+                  <a:schemeClr val="tx1">
+                    <a:lumMod val="65000"/>
+                    <a:lumOff val="35000"/>
+                  </a:schemeClr>
+                </a:solidFill>
+              </a:rPr>
+              <a:t> rápida de alto nível, podendo facilmente servir em provas de conceito para cliente ou experimentos internos. Não </a:t>
+            </a:r>
+            <a:r>
+              <a:rPr lang="pt-BR" sz="2000" i="1" dirty="0">
+                <a:solidFill>
+                  <a:schemeClr val="tx1">
+                    <a:lumMod val="65000"/>
+                    <a:lumOff val="35000"/>
+                  </a:schemeClr>
+                </a:solidFill>
+              </a:rPr>
+              <a:t>recomendável para produção em projetos de larga </a:t>
+            </a:r>
+            <a:r>
+              <a:rPr lang="pt-BR" sz="2000" i="1" dirty="0" smtClean="0">
+                <a:solidFill>
+                  <a:schemeClr val="tx1">
+                    <a:lumMod val="65000"/>
+                    <a:lumOff val="35000"/>
+                  </a:schemeClr>
+                </a:solidFill>
+              </a:rPr>
+              <a:t>escala (ainda).</a:t>
+            </a:r>
+          </a:p>
+          <a:p>
+            <a:pPr>
+              <a:lnSpc>
+                <a:spcPct val="150000"/>
+              </a:lnSpc>
+            </a:pPr>
+            <a:endParaRPr lang="pt-BR" sz="2000" i="1" dirty="0">
+              <a:solidFill>
+                <a:schemeClr val="tx1">
+                  <a:lumMod val="65000"/>
+                  <a:lumOff val="35000"/>
+                </a:schemeClr>
+              </a:solidFill>
+            </a:endParaRPr>
+          </a:p>
+        </p:txBody>
+      </p:sp>
+      <p:sp>
+        <p:nvSpPr>
+          <p:cNvPr id="2" name="Retângulo 1"/>
+          <p:cNvSpPr/>
+          <p:nvPr/>
+        </p:nvSpPr>
+        <p:spPr>
+          <a:xfrm>
+            <a:off x="467544" y="5085184"/>
+            <a:ext cx="5688632" cy="1200329"/>
+          </a:xfrm>
+          <a:prstGeom prst="rect">
+            <a:avLst/>
+          </a:prstGeom>
+        </p:spPr>
+        <p:txBody>
+          <a:bodyPr wrap="square">
+            <a:spAutoFit/>
+          </a:bodyPr>
+          <a:lstStyle/>
+          <a:p>
+            <a:r>
+              <a:rPr lang="pt-BR" dirty="0"/>
+              <a:t>https://</a:t>
+            </a:r>
+            <a:r>
+              <a:rPr lang="pt-BR" dirty="0" smtClean="0"/>
+              <a:t>github.com/ffarzat/LoopbackRestApiTests</a:t>
+            </a:r>
+          </a:p>
+          <a:p>
+            <a:r>
+              <a:rPr lang="pt-BR" dirty="0" smtClean="0"/>
+              <a:t>http://loopback.io</a:t>
+            </a:r>
+          </a:p>
+          <a:p>
+            <a:r>
+              <a:rPr lang="pt-BR" dirty="0" smtClean="0"/>
+              <a:t>http://nodejs.org</a:t>
+            </a:r>
+          </a:p>
+          <a:p>
+            <a:r>
+              <a:rPr lang="pt-BR" dirty="0"/>
+              <a:t>https://code.visualstudio.com/</a:t>
+            </a:r>
+          </a:p>
+        </p:txBody>
+      </p:sp>
+    </p:spTree>
+    <p:extLst>
+      <p:ext uri="{BB962C8B-B14F-4D97-AF65-F5344CB8AC3E}">
+        <p14:creationId xmlns:p14="http://schemas.microsoft.com/office/powerpoint/2010/main" val="2269797786"/>
+      </p:ext>
+    </p:extLst>
+  </p:cSld>
+  <p:clrMapOvr>
+    <a:masterClrMapping/>
+  </p:clrMapOvr>
+  <mc:AlternateContent xmlns:mc="http://schemas.openxmlformats.org/markup-compatibility/2006" xmlns:p14="http://schemas.microsoft.com/office/powerpoint/2010/main">
+    <mc:Choice Requires="p14">
+      <p:transition spd="slow" p14:dur="800">
+        <p14:flythrough dir="out"/>
+      </p:transition>
+    </mc:Choice>
+    <mc:Fallback xmlns="">
+      <p:transition spd="slow">
+        <p:fade/>
+      </p:transition>
+    </mc:Fallback>
+  </mc:AlternateContent>
+  <p:timing>
+    <p:tnLst>
+      <p:par>
+        <p:cTn id="1" dur="indefinite" restart="never" nodeType="tmRoot"/>
+      </p:par>
+    </p:tnLst>
+  </p:timing>
+</p:sld>
+</file>
+
+<file path=ppt/slides/slide16.xml><?xml version="1.0" encoding="utf-8"?>
 <p:sld xmlns:a="http://schemas.openxmlformats.org/drawingml/2006/main" xmlns:r="http://schemas.openxmlformats.org/officeDocument/2006/relationships" xmlns:p="http://schemas.openxmlformats.org/presentationml/2006/main">
   <p:cSld>
     <p:spTree>
@@ -1817,10 +3845,6 @@
               </a:rPr>
               <a:t>CRUD</a:t>
             </a:r>
-            <a:endParaRPr lang="pt-BR" sz="2000" dirty="0" smtClean="0">
-              <a:latin typeface="Vital Light Edifier" panose="020B0502040204020203" pitchFamily="34" charset="0"/>
-              <a:cs typeface="Vital Light Edifier" panose="020B0502040204020203" pitchFamily="34" charset="0"/>
-            </a:endParaRPr>
           </a:p>
           <a:p>
             <a:pPr marL="1257300" lvl="2" indent="-342900">
@@ -2079,10 +4103,6 @@
               </a:rPr>
               <a:t>Documentação pelo navegador</a:t>
             </a:r>
-            <a:endParaRPr lang="pt-BR" sz="2000" dirty="0" smtClean="0">
-              <a:latin typeface="Vital Light Edifier" panose="020B0502040204020203" pitchFamily="34" charset="0"/>
-              <a:cs typeface="Vital Light Edifier" panose="020B0502040204020203" pitchFamily="34" charset="0"/>
-            </a:endParaRPr>
           </a:p>
           <a:p>
             <a:pPr marL="457200" indent="-457200">
@@ -2099,10 +4119,6 @@
               </a:rPr>
               <a:t>Realizar operações de CRUD</a:t>
             </a:r>
-            <a:endParaRPr lang="pt-BR" sz="2000" dirty="0" smtClean="0">
-              <a:latin typeface="Vital Light Edifier" panose="020B0502040204020203" pitchFamily="34" charset="0"/>
-              <a:cs typeface="Vital Light Edifier" panose="020B0502040204020203" pitchFamily="34" charset="0"/>
-            </a:endParaRPr>
           </a:p>
           <a:p>
             <a:pPr marL="914400" lvl="1" indent="-457200">
@@ -2153,10 +4169,6 @@
               </a:rPr>
               <a:t>Realizar ao menos uma transação</a:t>
             </a:r>
-            <a:endParaRPr lang="pt-BR" sz="2000" dirty="0" smtClean="0">
-              <a:latin typeface="Vital Light Edifier" panose="020B0502040204020203" pitchFamily="34" charset="0"/>
-              <a:cs typeface="Vital Light Edifier" panose="020B0502040204020203" pitchFamily="34" charset="0"/>
-            </a:endParaRPr>
           </a:p>
           <a:p>
             <a:pPr marL="457200" indent="-457200">
@@ -2312,7 +4324,7 @@
                 <a:latin typeface="Vital Light Edifier" panose="020B0502040204020203" pitchFamily="34" charset="0"/>
                 <a:cs typeface="Vital Light Edifier" panose="020B0502040204020203" pitchFamily="34" charset="0"/>
               </a:rPr>
-              <a:t>Modelo de Domínio utilizado</a:t>
+              <a:t>Arquitetura Proposta</a:t>
             </a:r>
             <a:endParaRPr lang="pt-BR" sz="3200" b="1" dirty="0">
               <a:latin typeface="Vital Light Edifier" panose="020B0502040204020203" pitchFamily="34" charset="0"/>
@@ -2323,14 +4335,14 @@
       </p:sp>
       <p:pic>
         <p:nvPicPr>
-          <p:cNvPr id="2051" name="Picture 3" descr="D:\Github\LoopbackRestApiTests\slides\Main.png"/>
+          <p:cNvPr id="1028" name="Picture 4" descr="C:\Users\Fabio\Downloads\Sem título.jpg"/>
           <p:cNvPicPr>
             <a:picLocks noChangeAspect="1" noChangeArrowheads="1"/>
           </p:cNvPicPr>
           <p:nvPr/>
         </p:nvPicPr>
         <p:blipFill>
-          <a:blip r:embed="rId2">
+          <a:blip r:embed="rId2" cstate="print">
             <a:extLst>
               <a:ext uri="{28A0092B-C50C-407E-A947-70E740481C1C}">
                 <a14:useLocalDpi xmlns:a14="http://schemas.microsoft.com/office/drawing/2010/main" val="0"/>
@@ -2344,7 +4356,48 @@
         </p:blipFill>
         <p:spPr bwMode="auto">
           <a:xfrm>
-            <a:off x="2411760" y="2492896"/>
+            <a:off x="251520" y="1221094"/>
+            <a:ext cx="3888432" cy="5227781"/>
+          </a:xfrm>
+          <a:prstGeom prst="rect">
+            <a:avLst/>
+          </a:prstGeom>
+          <a:noFill/>
+          <a:extLst>
+            <a:ext uri="{909E8E84-426E-40DD-AFC4-6F175D3DCCD1}">
+              <a14:hiddenFill xmlns:a14="http://schemas.microsoft.com/office/drawing/2010/main">
+                <a:solidFill>
+                  <a:srgbClr val="FFFFFF"/>
+                </a:solidFill>
+              </a14:hiddenFill>
+            </a:ext>
+          </a:extLst>
+        </p:spPr>
+      </p:pic>
+      <p:pic>
+        <p:nvPicPr>
+          <p:cNvPr id="4" name="Picture 3" descr="D:\Github\LoopbackRestApiTests\slides\Main.png"/>
+          <p:cNvPicPr>
+            <a:picLocks noChangeAspect="1" noChangeArrowheads="1"/>
+          </p:cNvPicPr>
+          <p:nvPr/>
+        </p:nvPicPr>
+        <p:blipFill>
+          <a:blip r:embed="rId3">
+            <a:extLst>
+              <a:ext uri="{28A0092B-C50C-407E-A947-70E740481C1C}">
+                <a14:useLocalDpi xmlns:a14="http://schemas.microsoft.com/office/drawing/2010/main" val="0"/>
+              </a:ext>
+            </a:extLst>
+          </a:blip>
+          <a:srcRect/>
+          <a:stretch>
+            <a:fillRect/>
+          </a:stretch>
+        </p:blipFill>
+        <p:spPr bwMode="auto">
+          <a:xfrm>
+            <a:off x="4427984" y="3140967"/>
             <a:ext cx="4505325" cy="1876425"/>
           </a:xfrm>
           <a:prstGeom prst="rect">
@@ -2365,7 +4418,7 @@
     </p:spTree>
     <p:extLst>
       <p:ext uri="{BB962C8B-B14F-4D97-AF65-F5344CB8AC3E}">
-        <p14:creationId xmlns:p14="http://schemas.microsoft.com/office/powerpoint/2010/main" val="2009471825"/>
+        <p14:creationId xmlns:p14="http://schemas.microsoft.com/office/powerpoint/2010/main" val="3682436226"/>
       </p:ext>
     </p:extLst>
   </p:cSld>
@@ -2437,133 +4490,6 @@
             <a:r>
               <a:rPr lang="pt-BR" sz="3200" b="1" dirty="0" smtClean="0">
                 <a:latin typeface="Vital Light Edifier" panose="020B0502040204020203" pitchFamily="34" charset="0"/>
-                <a:cs typeface="Vital Light Edifier" panose="020B0502040204020203" pitchFamily="34" charset="0"/>
-              </a:rPr>
-              <a:t>Arquitetura Proposta</a:t>
-            </a:r>
-            <a:endParaRPr lang="pt-BR" sz="3200" b="1" dirty="0">
-              <a:latin typeface="Vital Light Edifier" panose="020B0502040204020203" pitchFamily="34" charset="0"/>
-              <a:cs typeface="Vital Light Edifier" panose="020B0502040204020203" pitchFamily="34" charset="0"/>
-            </a:endParaRPr>
-          </a:p>
-        </p:txBody>
-      </p:sp>
-      <p:pic>
-        <p:nvPicPr>
-          <p:cNvPr id="1028" name="Picture 4" descr="C:\Users\Fabio\Downloads\Sem título.jpg"/>
-          <p:cNvPicPr>
-            <a:picLocks noChangeAspect="1" noChangeArrowheads="1"/>
-          </p:cNvPicPr>
-          <p:nvPr/>
-        </p:nvPicPr>
-        <p:blipFill>
-          <a:blip r:embed="rId2" cstate="print">
-            <a:extLst>
-              <a:ext uri="{28A0092B-C50C-407E-A947-70E740481C1C}">
-                <a14:useLocalDpi xmlns:a14="http://schemas.microsoft.com/office/drawing/2010/main" val="0"/>
-              </a:ext>
-            </a:extLst>
-          </a:blip>
-          <a:srcRect/>
-          <a:stretch>
-            <a:fillRect/>
-          </a:stretch>
-        </p:blipFill>
-        <p:spPr bwMode="auto">
-          <a:xfrm>
-            <a:off x="2411760" y="1340768"/>
-            <a:ext cx="3888432" cy="5227781"/>
-          </a:xfrm>
-          <a:prstGeom prst="rect">
-            <a:avLst/>
-          </a:prstGeom>
-          <a:noFill/>
-          <a:extLst>
-            <a:ext uri="{909E8E84-426E-40DD-AFC4-6F175D3DCCD1}">
-              <a14:hiddenFill xmlns:a14="http://schemas.microsoft.com/office/drawing/2010/main">
-                <a:solidFill>
-                  <a:srgbClr val="FFFFFF"/>
-                </a:solidFill>
-              </a14:hiddenFill>
-            </a:ext>
-          </a:extLst>
-        </p:spPr>
-      </p:pic>
-    </p:spTree>
-    <p:extLst>
-      <p:ext uri="{BB962C8B-B14F-4D97-AF65-F5344CB8AC3E}">
-        <p14:creationId xmlns:p14="http://schemas.microsoft.com/office/powerpoint/2010/main" val="3682436226"/>
-      </p:ext>
-    </p:extLst>
-  </p:cSld>
-  <p:clrMapOvr>
-    <a:masterClrMapping/>
-  </p:clrMapOvr>
-  <mc:AlternateContent xmlns:mc="http://schemas.openxmlformats.org/markup-compatibility/2006" xmlns:p14="http://schemas.microsoft.com/office/powerpoint/2010/main">
-    <mc:Choice Requires="p14">
-      <p:transition spd="slow" p14:dur="1250">
-        <p14:flythrough dir="out"/>
-      </p:transition>
-    </mc:Choice>
-    <mc:Fallback xmlns="">
-      <p:transition spd="slow">
-        <p:fade/>
-      </p:transition>
-    </mc:Fallback>
-  </mc:AlternateContent>
-  <p:timing>
-    <p:tnLst>
-      <p:par>
-        <p:cTn id="1" dur="indefinite" restart="never" nodeType="tmRoot"/>
-      </p:par>
-    </p:tnLst>
-  </p:timing>
-</p:sld>
-</file>
-
-<file path=ppt/slides/slide6.xml><?xml version="1.0" encoding="utf-8"?>
-<p:sld xmlns:a="http://schemas.openxmlformats.org/drawingml/2006/main" xmlns:r="http://schemas.openxmlformats.org/officeDocument/2006/relationships" xmlns:p="http://schemas.openxmlformats.org/presentationml/2006/main">
-  <p:cSld>
-    <p:spTree>
-      <p:nvGrpSpPr>
-        <p:cNvPr id="1" name=""/>
-        <p:cNvGrpSpPr/>
-        <p:nvPr/>
-      </p:nvGrpSpPr>
-      <p:grpSpPr>
-        <a:xfrm>
-          <a:off x="0" y="0"/>
-          <a:ext cx="0" cy="0"/>
-          <a:chOff x="0" y="0"/>
-          <a:chExt cx="0" cy="0"/>
-        </a:xfrm>
-      </p:grpSpPr>
-      <p:sp>
-        <p:nvSpPr>
-          <p:cNvPr id="7" name="Título 6"/>
-          <p:cNvSpPr>
-            <a:spLocks noGrp="1"/>
-          </p:cNvSpPr>
-          <p:nvPr>
-            <p:ph type="title"/>
-          </p:nvPr>
-        </p:nvSpPr>
-        <p:spPr>
-          <a:xfrm>
-            <a:off x="1835696" y="274638"/>
-            <a:ext cx="6851104" cy="1143000"/>
-          </a:xfrm>
-        </p:spPr>
-        <p:txBody>
-          <a:bodyPr>
-            <a:normAutofit/>
-          </a:bodyPr>
-          <a:lstStyle/>
-          <a:p>
-            <a:pPr algn="r"/>
-            <a:r>
-              <a:rPr lang="pt-BR" sz="3200" b="1" dirty="0" smtClean="0">
-                <a:latin typeface="Vital Light Edifier" panose="020B0502040204020203" pitchFamily="34" charset="0"/>
                 <a:ea typeface="+mn-ea"/>
                 <a:cs typeface="Vital Light Edifier" panose="020B0502040204020203" pitchFamily="34" charset="0"/>
               </a:rPr>
@@ -2676,7 +4602,7 @@
         </p:blipFill>
         <p:spPr bwMode="auto">
           <a:xfrm>
-            <a:off x="3059832" y="3372093"/>
+            <a:off x="4139952" y="3347141"/>
             <a:ext cx="4248472" cy="2938598"/>
           </a:xfrm>
           <a:prstGeom prst="rect">
@@ -2703,6 +4629,88 @@
                 <a:headEnd/>
                 <a:tailEnd/>
               </a14:hiddenLine>
+            </a:ext>
+          </a:extLst>
+        </p:spPr>
+      </p:pic>
+      <p:pic>
+        <p:nvPicPr>
+          <p:cNvPr id="1026" name="Picture 2" descr="https://avatars2.githubusercontent.com/u/113781?v=3&amp;s=400"/>
+          <p:cNvPicPr>
+            <a:picLocks noChangeAspect="1" noChangeArrowheads="1"/>
+          </p:cNvPicPr>
+          <p:nvPr/>
+        </p:nvPicPr>
+        <p:blipFill>
+          <a:blip r:embed="rId3" cstate="print">
+            <a:extLst>
+              <a:ext uri="{28A0092B-C50C-407E-A947-70E740481C1C}">
+                <a14:useLocalDpi xmlns:a14="http://schemas.microsoft.com/office/drawing/2010/main" val="0"/>
+              </a:ext>
+            </a:extLst>
+          </a:blip>
+          <a:srcRect/>
+          <a:stretch>
+            <a:fillRect/>
+          </a:stretch>
+        </p:blipFill>
+        <p:spPr bwMode="auto">
+          <a:xfrm>
+            <a:off x="467544" y="5229200"/>
+            <a:ext cx="1224136" cy="1224136"/>
+          </a:xfrm>
+          <a:prstGeom prst="rect">
+            <a:avLst/>
+          </a:prstGeom>
+          <a:noFill/>
+          <a:extLst>
+            <a:ext uri="{909E8E84-426E-40DD-AFC4-6F175D3DCCD1}">
+              <a14:hiddenFill xmlns:a14="http://schemas.microsoft.com/office/drawing/2010/main">
+                <a:solidFill>
+                  <a:srgbClr val="FFFFFF"/>
+                </a:solidFill>
+              </a14:hiddenFill>
+            </a:ext>
+          </a:extLst>
+        </p:spPr>
+      </p:pic>
+      <p:pic>
+        <p:nvPicPr>
+          <p:cNvPr id="1028" name="Picture 4" descr="http://www.coisadeprogramador.com.br/content/images/2015/07/nodejs-tutorials.png"/>
+          <p:cNvPicPr>
+            <a:picLocks noChangeAspect="1" noChangeArrowheads="1"/>
+          </p:cNvPicPr>
+          <p:nvPr/>
+        </p:nvPicPr>
+        <p:blipFill>
+          <a:blip r:embed="rId4" cstate="print">
+            <a:extLst>
+              <a:ext uri="{28A0092B-C50C-407E-A947-70E740481C1C}">
+                <a14:useLocalDpi xmlns:a14="http://schemas.microsoft.com/office/drawing/2010/main" val="0"/>
+              </a:ext>
+            </a:extLst>
+          </a:blip>
+          <a:srcRect/>
+          <a:stretch>
+            <a:fillRect/>
+          </a:stretch>
+        </p:blipFill>
+        <p:spPr bwMode="auto">
+          <a:xfrm>
+            <a:off x="467544" y="3347141"/>
+            <a:ext cx="2016224" cy="1495776"/>
+          </a:xfrm>
+          <a:prstGeom prst="rect">
+            <a:avLst/>
+          </a:prstGeom>
+          <a:noFill/>
+          <a:extLst>
+            <a:ext uri="{909E8E84-426E-40DD-AFC4-6F175D3DCCD1}">
+              <a14:hiddenFill xmlns:a14="http://schemas.microsoft.com/office/drawing/2010/main">
+                <a:solidFill>
+                  <a:srgbClr val="FFFFFF"/>
+                </a:solidFill>
+              </a14:hiddenFill>
             </a:ext>
           </a:extLst>
         </p:spPr>
@@ -2739,7 +4747,7 @@
 </p:sld>
 </file>
 
-<file path=ppt/slides/slide7.xml><?xml version="1.0" encoding="utf-8"?>
+<file path=ppt/slides/slide6.xml><?xml version="1.0" encoding="utf-8"?>
 <p:sld xmlns:a="http://schemas.openxmlformats.org/drawingml/2006/main" xmlns:r="http://schemas.openxmlformats.org/officeDocument/2006/relationships" xmlns:p="http://schemas.openxmlformats.org/presentationml/2006/main">
   <p:cSld>
     <p:spTree>
@@ -3212,6 +5220,307 @@
 </p:sld>
 </file>
 
+<file path=ppt/slides/slide7.xml><?xml version="1.0" encoding="utf-8"?>
+<p:sld xmlns:a="http://schemas.openxmlformats.org/drawingml/2006/main" xmlns:r="http://schemas.openxmlformats.org/officeDocument/2006/relationships" xmlns:p="http://schemas.openxmlformats.org/presentationml/2006/main">
+  <p:cSld>
+    <p:spTree>
+      <p:nvGrpSpPr>
+        <p:cNvPr id="1" name=""/>
+        <p:cNvGrpSpPr/>
+        <p:nvPr/>
+      </p:nvGrpSpPr>
+      <p:grpSpPr>
+        <a:xfrm>
+          <a:off x="0" y="0"/>
+          <a:ext cx="0" cy="0"/>
+          <a:chOff x="0" y="0"/>
+          <a:chExt cx="0" cy="0"/>
+        </a:xfrm>
+      </p:grpSpPr>
+      <p:sp>
+        <p:nvSpPr>
+          <p:cNvPr id="7" name="Título 6"/>
+          <p:cNvSpPr>
+            <a:spLocks noGrp="1"/>
+          </p:cNvSpPr>
+          <p:nvPr>
+            <p:ph type="title"/>
+          </p:nvPr>
+        </p:nvSpPr>
+        <p:spPr>
+          <a:xfrm>
+            <a:off x="1835696" y="274638"/>
+            <a:ext cx="6851104" cy="1143000"/>
+          </a:xfrm>
+        </p:spPr>
+        <p:txBody>
+          <a:bodyPr>
+            <a:normAutofit/>
+          </a:bodyPr>
+          <a:lstStyle/>
+          <a:p>
+            <a:pPr algn="r"/>
+            <a:r>
+              <a:rPr lang="pt-BR" sz="3200" b="1" dirty="0" smtClean="0">
+                <a:latin typeface="Vital Light Edifier" panose="020B0502040204020203" pitchFamily="34" charset="0"/>
+                <a:ea typeface="+mn-ea"/>
+                <a:cs typeface="Vital Light Edifier" panose="020B0502040204020203" pitchFamily="34" charset="0"/>
+              </a:rPr>
+              <a:t>Tecnologia</a:t>
+            </a:r>
+            <a:endParaRPr lang="pt-BR" sz="3200" b="1" dirty="0">
+              <a:latin typeface="Vital Light Edifier" panose="020B0502040204020203" pitchFamily="34" charset="0"/>
+              <a:ea typeface="+mn-ea"/>
+              <a:cs typeface="Vital Light Edifier" panose="020B0502040204020203" pitchFamily="34" charset="0"/>
+            </a:endParaRPr>
+          </a:p>
+        </p:txBody>
+      </p:sp>
+      <p:sp>
+        <p:nvSpPr>
+          <p:cNvPr id="6" name="CaixaDeTexto 5"/>
+          <p:cNvSpPr txBox="1"/>
+          <p:nvPr/>
+        </p:nvSpPr>
+        <p:spPr>
+          <a:xfrm>
+            <a:off x="467544" y="1340768"/>
+            <a:ext cx="7920880" cy="878702"/>
+          </a:xfrm>
+          <a:prstGeom prst="rect">
+            <a:avLst/>
+          </a:prstGeom>
+          <a:noFill/>
+        </p:spPr>
+        <p:txBody>
+          <a:bodyPr wrap="square" rtlCol="0">
+            <a:spAutoFit/>
+          </a:bodyPr>
+          <a:lstStyle/>
+          <a:p>
+            <a:pPr>
+              <a:lnSpc>
+                <a:spcPct val="150000"/>
+              </a:lnSpc>
+            </a:pPr>
+            <a:r>
+              <a:rPr lang="pt-BR" sz="2000" b="1" dirty="0" smtClean="0">
+                <a:latin typeface="Vital Light Edifier" panose="020B0502040204020203" pitchFamily="34" charset="0"/>
+                <a:cs typeface="Vital Light Edifier" panose="020B0502040204020203" pitchFamily="34" charset="0"/>
+              </a:rPr>
+              <a:t>Loopback.io</a:t>
+            </a:r>
+            <a:endParaRPr lang="pt-BR" sz="1600" b="1" i="1" dirty="0">
+              <a:solidFill>
+                <a:schemeClr val="tx1">
+                  <a:lumMod val="65000"/>
+                  <a:lumOff val="35000"/>
+                </a:schemeClr>
+              </a:solidFill>
+              <a:latin typeface="Vital Light Edifier" panose="020B0502040204020203" pitchFamily="34" charset="0"/>
+              <a:cs typeface="Vital Light Edifier" panose="020B0502040204020203" pitchFamily="34" charset="0"/>
+            </a:endParaRPr>
+          </a:p>
+          <a:p>
+            <a:pPr>
+              <a:lnSpc>
+                <a:spcPct val="150000"/>
+              </a:lnSpc>
+            </a:pPr>
+            <a:endParaRPr lang="pt-BR" sz="1600" b="1" i="1" dirty="0" smtClean="0">
+              <a:solidFill>
+                <a:schemeClr val="tx1">
+                  <a:lumMod val="65000"/>
+                  <a:lumOff val="35000"/>
+                </a:schemeClr>
+              </a:solidFill>
+              <a:latin typeface="Vital Light Edifier" panose="020B0502040204020203" pitchFamily="34" charset="0"/>
+              <a:cs typeface="Vital Light Edifier" panose="020B0502040204020203" pitchFamily="34" charset="0"/>
+            </a:endParaRPr>
+          </a:p>
+        </p:txBody>
+      </p:sp>
+      <p:pic>
+        <p:nvPicPr>
+          <p:cNvPr id="2051" name="Picture 3" descr="D:\BitTorrentSync\Comprev\POC\Loopback\Data sources and connectors.png"/>
+          <p:cNvPicPr>
+            <a:picLocks noChangeAspect="1" noChangeArrowheads="1"/>
+          </p:cNvPicPr>
+          <p:nvPr/>
+        </p:nvPicPr>
+        <p:blipFill>
+          <a:blip r:embed="rId2">
+            <a:extLst>
+              <a:ext uri="{28A0092B-C50C-407E-A947-70E740481C1C}">
+                <a14:useLocalDpi xmlns:a14="http://schemas.microsoft.com/office/drawing/2010/main" val="0"/>
+              </a:ext>
+            </a:extLst>
+          </a:blip>
+          <a:srcRect/>
+          <a:stretch>
+            <a:fillRect/>
+          </a:stretch>
+        </p:blipFill>
+        <p:spPr bwMode="auto">
+          <a:xfrm>
+            <a:off x="527494" y="1412776"/>
+            <a:ext cx="7800975" cy="2590800"/>
+          </a:xfrm>
+          <a:prstGeom prst="rect">
+            <a:avLst/>
+          </a:prstGeom>
+          <a:noFill/>
+          <a:extLst>
+            <a:ext uri="{909E8E84-426E-40DD-AFC4-6F175D3DCCD1}">
+              <a14:hiddenFill xmlns:a14="http://schemas.microsoft.com/office/drawing/2010/main">
+                <a:solidFill>
+                  <a:srgbClr val="FFFFFF"/>
+                </a:solidFill>
+              </a14:hiddenFill>
+            </a:ext>
+          </a:extLst>
+        </p:spPr>
+      </p:pic>
+      <p:pic>
+        <p:nvPicPr>
+          <p:cNvPr id="2052" name="Picture 4"/>
+          <p:cNvPicPr>
+            <a:picLocks noChangeAspect="1" noChangeArrowheads="1"/>
+          </p:cNvPicPr>
+          <p:nvPr/>
+        </p:nvPicPr>
+        <p:blipFill>
+          <a:blip r:embed="rId3">
+            <a:extLst>
+              <a:ext uri="{28A0092B-C50C-407E-A947-70E740481C1C}">
+                <a14:useLocalDpi xmlns:a14="http://schemas.microsoft.com/office/drawing/2010/main" val="0"/>
+              </a:ext>
+            </a:extLst>
+          </a:blip>
+          <a:srcRect/>
+          <a:stretch>
+            <a:fillRect/>
+          </a:stretch>
+        </p:blipFill>
+        <p:spPr bwMode="auto">
+          <a:xfrm>
+            <a:off x="3059832" y="3212974"/>
+            <a:ext cx="2304256" cy="2568211"/>
+          </a:xfrm>
+          <a:prstGeom prst="rect">
+            <a:avLst/>
+          </a:prstGeom>
+          <a:noFill/>
+          <a:ln>
+            <a:noFill/>
+          </a:ln>
+          <a:extLst>
+            <a:ext uri="{909E8E84-426E-40DD-AFC4-6F175D3DCCD1}">
+              <a14:hiddenFill xmlns:a14="http://schemas.microsoft.com/office/drawing/2010/main">
+                <a:solidFill>
+                  <a:schemeClr val="accent1"/>
+                </a:solidFill>
+              </a14:hiddenFill>
+            </a:ext>
+            <a:ext uri="{91240B29-F687-4F45-9708-019B960494DF}">
+              <a14:hiddenLine xmlns:a14="http://schemas.microsoft.com/office/drawing/2010/main" w="9525">
+                <a:solidFill>
+                  <a:schemeClr val="tx1"/>
+                </a:solidFill>
+                <a:miter lim="800000"/>
+                <a:headEnd/>
+                <a:tailEnd/>
+              </a14:hiddenLine>
+            </a:ext>
+          </a:extLst>
+        </p:spPr>
+      </p:pic>
+      <p:pic>
+        <p:nvPicPr>
+          <p:cNvPr id="2053" name="Picture 5"/>
+          <p:cNvPicPr>
+            <a:picLocks noChangeAspect="1" noChangeArrowheads="1"/>
+          </p:cNvPicPr>
+          <p:nvPr/>
+        </p:nvPicPr>
+        <p:blipFill>
+          <a:blip r:embed="rId4">
+            <a:extLst>
+              <a:ext uri="{28A0092B-C50C-407E-A947-70E740481C1C}">
+                <a14:useLocalDpi xmlns:a14="http://schemas.microsoft.com/office/drawing/2010/main" val="0"/>
+              </a:ext>
+            </a:extLst>
+          </a:blip>
+          <a:srcRect/>
+          <a:stretch>
+            <a:fillRect/>
+          </a:stretch>
+        </p:blipFill>
+        <p:spPr bwMode="auto">
+          <a:xfrm>
+            <a:off x="683568" y="3212975"/>
+            <a:ext cx="1728192" cy="3511599"/>
+          </a:xfrm>
+          <a:prstGeom prst="rect">
+            <a:avLst/>
+          </a:prstGeom>
+          <a:noFill/>
+          <a:ln>
+            <a:noFill/>
+          </a:ln>
+          <a:extLst>
+            <a:ext uri="{909E8E84-426E-40DD-AFC4-6F175D3DCCD1}">
+              <a14:hiddenFill xmlns:a14="http://schemas.microsoft.com/office/drawing/2010/main">
+                <a:solidFill>
+                  <a:schemeClr val="accent1"/>
+                </a:solidFill>
+              </a14:hiddenFill>
+            </a:ext>
+            <a:ext uri="{91240B29-F687-4F45-9708-019B960494DF}">
+              <a14:hiddenLine xmlns:a14="http://schemas.microsoft.com/office/drawing/2010/main" w="9525">
+                <a:solidFill>
+                  <a:schemeClr val="tx1"/>
+                </a:solidFill>
+                <a:miter lim="800000"/>
+                <a:headEnd/>
+                <a:tailEnd/>
+              </a14:hiddenLine>
+            </a:ext>
+          </a:extLst>
+        </p:spPr>
+      </p:pic>
+    </p:spTree>
+    <p:extLst>
+      <p:ext uri="{BB962C8B-B14F-4D97-AF65-F5344CB8AC3E}">
+        <p14:creationId xmlns:p14="http://schemas.microsoft.com/office/powerpoint/2010/main" val="1788200360"/>
+      </p:ext>
+    </p:extLst>
+  </p:cSld>
+  <p:clrMapOvr>
+    <a:masterClrMapping/>
+  </p:clrMapOvr>
+  <mc:AlternateContent xmlns:mc="http://schemas.openxmlformats.org/markup-compatibility/2006" xmlns:p14="http://schemas.microsoft.com/office/powerpoint/2010/main">
+    <mc:Choice Requires="p14">
+      <p:transition spd="slow" p14:dur="1250">
+        <p14:flythrough dir="out"/>
+      </p:transition>
+    </mc:Choice>
+    <mc:Fallback xmlns="">
+      <p:transition spd="slow">
+        <p:fade/>
+      </p:transition>
+    </mc:Fallback>
+  </mc:AlternateContent>
+  <p:timing>
+    <p:tnLst>
+      <p:par>
+        <p:cTn id="1" dur="indefinite" restart="never" nodeType="tmRoot"/>
+      </p:par>
+    </p:tnLst>
+  </p:timing>
+</p:sld>
+</file>
+
 <file path=ppt/slides/slide8.xml><?xml version="1.0" encoding="utf-8"?>
 <p:sld xmlns:a="http://schemas.openxmlformats.org/drawingml/2006/main" xmlns:r="http://schemas.openxmlformats.org/officeDocument/2006/relationships" xmlns:p="http://schemas.openxmlformats.org/presentationml/2006/main">
   <p:cSld>
@@ -3277,7 +5586,7 @@
         <p:spPr>
           <a:xfrm>
             <a:off x="467544" y="1340768"/>
-            <a:ext cx="7920880" cy="923330"/>
+            <a:ext cx="7920880" cy="1661993"/>
           </a:xfrm>
           <a:prstGeom prst="rect">
             <a:avLst/>
@@ -3300,8 +5609,19 @@
                 <a:latin typeface="Vital Light Edifier" panose="020B0502040204020203" pitchFamily="34" charset="0"/>
                 <a:cs typeface="Vital Light Edifier" panose="020B0502040204020203" pitchFamily="34" charset="0"/>
               </a:rPr>
-              <a:t>Loopback.io</a:t>
-            </a:r>
+              <a:t>Visual Studio </a:t>
+            </a:r>
+            <a:r>
+              <a:rPr lang="pt-BR" sz="2000" b="1" dirty="0" err="1" smtClean="0">
+                <a:latin typeface="Vital Light Edifier" panose="020B0502040204020203" pitchFamily="34" charset="0"/>
+                <a:cs typeface="Vital Light Edifier" panose="020B0502040204020203" pitchFamily="34" charset="0"/>
+              </a:rPr>
+              <a:t>Code</a:t>
+            </a:r>
+            <a:endParaRPr lang="pt-BR" sz="2000" b="1" dirty="0" smtClean="0">
+              <a:latin typeface="Vital Light Edifier" panose="020B0502040204020203" pitchFamily="34" charset="0"/>
+              <a:cs typeface="Vital Light Edifier" panose="020B0502040204020203" pitchFamily="34" charset="0"/>
+            </a:endParaRPr>
           </a:p>
           <a:p>
             <a:pPr>
@@ -3309,6 +5629,39 @@
                 <a:spcPct val="150000"/>
               </a:lnSpc>
             </a:pPr>
+            <a:r>
+              <a:rPr lang="pt-BR" sz="1600" i="1" dirty="0">
+                <a:solidFill>
+                  <a:schemeClr val="tx1">
+                    <a:lumMod val="65000"/>
+                    <a:lumOff val="35000"/>
+                  </a:schemeClr>
+                </a:solidFill>
+              </a:rPr>
+              <a:t>Edição de código redefinida e otimizada para compilação e depuração de aplicativos Web e de nuvem modernos. O Visual Studio </a:t>
+            </a:r>
+            <a:r>
+              <a:rPr lang="pt-BR" sz="1600" i="1" dirty="0" err="1">
+                <a:solidFill>
+                  <a:schemeClr val="tx1">
+                    <a:lumMod val="65000"/>
+                    <a:lumOff val="35000"/>
+                  </a:schemeClr>
+                </a:solidFill>
+              </a:rPr>
+              <a:t>Code</a:t>
+            </a:r>
+            <a:r>
+              <a:rPr lang="pt-BR" sz="1600" i="1" dirty="0">
+                <a:solidFill>
+                  <a:schemeClr val="tx1">
+                    <a:lumMod val="65000"/>
+                    <a:lumOff val="35000"/>
+                  </a:schemeClr>
+                </a:solidFill>
+              </a:rPr>
+              <a:t> é gratuito e está disponível em sua plataforma favorita: Linux, OS X e Windows.</a:t>
+            </a:r>
             <a:endParaRPr lang="pt-BR" sz="1600" b="1" i="1" dirty="0" smtClean="0">
               <a:solidFill>
                 <a:schemeClr val="tx1">
@@ -3324,7 +5677,7 @@
       </p:sp>
       <p:pic>
         <p:nvPicPr>
-          <p:cNvPr id="5122" name="Picture 2" descr="D:\Github\LoopbackRestApiTests\slides\loopback.png"/>
+          <p:cNvPr id="3074" name="Picture 2" descr="Ferramentas de depuração integradas avançadas"/>
           <p:cNvPicPr>
             <a:picLocks noChangeAspect="1" noChangeArrowheads="1"/>
           </p:cNvPicPr>
@@ -3345,8 +5698,8 @@
         </p:blipFill>
         <p:spPr bwMode="auto">
           <a:xfrm>
-            <a:off x="3203848" y="1916832"/>
-            <a:ext cx="5184576" cy="4439082"/>
+            <a:off x="1399034" y="3212976"/>
+            <a:ext cx="6057900" cy="2857500"/>
           </a:xfrm>
           <a:prstGeom prst="rect">
             <a:avLst/>
@@ -3366,7 +5719,7 @@
     </p:spTree>
     <p:extLst>
       <p:ext uri="{BB962C8B-B14F-4D97-AF65-F5344CB8AC3E}">
-        <p14:creationId xmlns:p14="http://schemas.microsoft.com/office/powerpoint/2010/main" val="1788200360"/>
+        <p14:creationId xmlns:p14="http://schemas.microsoft.com/office/powerpoint/2010/main" val="1963175836"/>
       </p:ext>
     </p:extLst>
   </p:cSld>
@@ -3441,7 +5794,7 @@
                 <a:ea typeface="+mn-ea"/>
                 <a:cs typeface="Vital Light Edifier" panose="020B0502040204020203" pitchFamily="34" charset="0"/>
               </a:rPr>
-              <a:t>Tecnologia</a:t>
+              <a:t>Prova de Conceito</a:t>
             </a:r>
             <a:endParaRPr lang="pt-BR" sz="3200" b="1" dirty="0">
               <a:latin typeface="Vital Light Edifier" panose="020B0502040204020203" pitchFamily="34" charset="0"/>
@@ -3460,7 +5813,7 @@
         <p:spPr>
           <a:xfrm>
             <a:off x="467544" y="1340768"/>
-            <a:ext cx="7920880" cy="2031325"/>
+            <a:ext cx="7920880" cy="4247317"/>
           </a:xfrm>
           <a:prstGeom prst="rect">
             <a:avLst/>
@@ -3479,18 +5832,11 @@
               </a:lnSpc>
             </a:pPr>
             <a:r>
-              <a:rPr lang="pt-BR" sz="2000" b="1" dirty="0" smtClean="0">
-                <a:latin typeface="Vital Light Edifier" panose="020B0502040204020203" pitchFamily="34" charset="0"/>
-                <a:cs typeface="Vital Light Edifier" panose="020B0502040204020203" pitchFamily="34" charset="0"/>
-              </a:rPr>
-              <a:t>Visual Studio </a:t>
-            </a:r>
-            <a:r>
               <a:rPr lang="pt-BR" sz="2000" b="1" dirty="0" err="1" smtClean="0">
                 <a:latin typeface="Vital Light Edifier" panose="020B0502040204020203" pitchFamily="34" charset="0"/>
                 <a:cs typeface="Vital Light Edifier" panose="020B0502040204020203" pitchFamily="34" charset="0"/>
               </a:rPr>
-              <a:t>Code</a:t>
+              <a:t>RestAPI</a:t>
             </a:r>
             <a:endParaRPr lang="pt-BR" sz="2000" b="1" dirty="0" smtClean="0">
               <a:latin typeface="Vital Light Edifier" panose="020B0502040204020203" pitchFamily="34" charset="0"/>
@@ -3498,50 +5844,228 @@
             </a:endParaRPr>
           </a:p>
           <a:p>
-            <a:pPr>
-              <a:lnSpc>
-                <a:spcPct val="150000"/>
-              </a:lnSpc>
-            </a:pPr>
-            <a:r>
-              <a:rPr lang="en-US" sz="1600" i="1" dirty="0" smtClean="0">
-                <a:solidFill>
-                  <a:schemeClr val="tx1">
-                    <a:lumMod val="65000"/>
-                    <a:lumOff val="35000"/>
-                  </a:schemeClr>
-                </a:solidFill>
-              </a:rPr>
-              <a:t>As </a:t>
-            </a:r>
-            <a:r>
-              <a:rPr lang="en-US" sz="1600" i="1" dirty="0">
-                <a:solidFill>
-                  <a:schemeClr val="tx1">
-                    <a:lumMod val="65000"/>
-                    <a:lumOff val="35000"/>
-                  </a:schemeClr>
-                </a:solidFill>
-              </a:rPr>
-              <a:t>an asynchronous event driven JavaScript runtime, Node is designed to build scalable network applications. In the following "hello world" example, many connections can be handled concurrently. Upon each connection the callback is fired, but if there is no work to be done Node is sleeping.</a:t>
-            </a:r>
-            <a:endParaRPr lang="pt-BR" sz="1600" b="1" i="1" dirty="0" smtClean="0">
-              <a:solidFill>
-                <a:schemeClr val="tx1">
-                  <a:lumMod val="65000"/>
-                  <a:lumOff val="35000"/>
-                </a:schemeClr>
-              </a:solidFill>
+            <a:pPr marL="457200" indent="-457200">
+              <a:lnSpc>
+                <a:spcPct val="150000"/>
+              </a:lnSpc>
+              <a:buFont typeface="Wingdings" panose="05000000000000000000" pitchFamily="2" charset="2"/>
+              <a:buChar char="ü"/>
+            </a:pPr>
+            <a:r>
+              <a:rPr lang="pt-BR" sz="2000" dirty="0" smtClean="0">
+                <a:latin typeface="Vital Light Edifier" panose="020B0502040204020203" pitchFamily="34" charset="0"/>
+                <a:cs typeface="Vital Light Edifier" panose="020B0502040204020203" pitchFamily="34" charset="0"/>
+              </a:rPr>
+              <a:t>Prós</a:t>
+            </a:r>
+          </a:p>
+          <a:p>
+            <a:pPr marL="914400" lvl="1" indent="-457200">
+              <a:lnSpc>
+                <a:spcPct val="150000"/>
+              </a:lnSpc>
+              <a:buFont typeface="Wingdings" panose="05000000000000000000" pitchFamily="2" charset="2"/>
+              <a:buChar char="ü"/>
+            </a:pPr>
+            <a:r>
+              <a:rPr lang="pt-BR" sz="2000" dirty="0" smtClean="0">
+                <a:latin typeface="Vital Light Edifier" panose="020B0502040204020203" pitchFamily="34" charset="0"/>
+                <a:cs typeface="Vital Light Edifier" panose="020B0502040204020203" pitchFamily="34" charset="0"/>
+              </a:rPr>
+              <a:t>Configuração simplificada por assistente visual</a:t>
+            </a:r>
+          </a:p>
+          <a:p>
+            <a:pPr marL="1371600" lvl="2" indent="-457200">
+              <a:lnSpc>
+                <a:spcPct val="150000"/>
+              </a:lnSpc>
+              <a:buFont typeface="Wingdings" panose="05000000000000000000" pitchFamily="2" charset="2"/>
+              <a:buChar char="ü"/>
+            </a:pPr>
+            <a:r>
+              <a:rPr lang="pt-BR" sz="2000" dirty="0" smtClean="0">
+                <a:latin typeface="Vital Light Edifier" panose="020B0502040204020203" pitchFamily="34" charset="0"/>
+                <a:cs typeface="Vital Light Edifier" panose="020B0502040204020203" pitchFamily="34" charset="0"/>
+              </a:rPr>
+              <a:t>Modelo, validações, Relações, </a:t>
+            </a:r>
+            <a:r>
+              <a:rPr lang="pt-BR" sz="2000" dirty="0" err="1" smtClean="0">
+                <a:latin typeface="Vital Light Edifier" panose="020B0502040204020203" pitchFamily="34" charset="0"/>
+                <a:cs typeface="Vital Light Edifier" panose="020B0502040204020203" pitchFamily="34" charset="0"/>
+              </a:rPr>
+              <a:t>Datasources</a:t>
+            </a:r>
+            <a:endParaRPr lang="pt-BR" sz="2000" dirty="0" smtClean="0">
               <a:latin typeface="Vital Light Edifier" panose="020B0502040204020203" pitchFamily="34" charset="0"/>
               <a:cs typeface="Vital Light Edifier" panose="020B0502040204020203" pitchFamily="34" charset="0"/>
             </a:endParaRPr>
           </a:p>
+          <a:p>
+            <a:pPr marL="1371600" lvl="2" indent="-457200">
+              <a:lnSpc>
+                <a:spcPct val="150000"/>
+              </a:lnSpc>
+              <a:buFont typeface="Wingdings" panose="05000000000000000000" pitchFamily="2" charset="2"/>
+              <a:buChar char="ü"/>
+            </a:pPr>
+            <a:r>
+              <a:rPr lang="pt-BR" sz="2000" dirty="0" smtClean="0">
+                <a:latin typeface="Vital Light Edifier" panose="020B0502040204020203" pitchFamily="34" charset="0"/>
+                <a:cs typeface="Vital Light Edifier" panose="020B0502040204020203" pitchFamily="34" charset="0"/>
+              </a:rPr>
+              <a:t>Boot, carga de informações, comportamentos da </a:t>
+            </a:r>
+            <a:r>
+              <a:rPr lang="pt-BR" sz="2000" dirty="0" err="1" smtClean="0">
+                <a:latin typeface="Vital Light Edifier" panose="020B0502040204020203" pitchFamily="34" charset="0"/>
+                <a:cs typeface="Vital Light Edifier" panose="020B0502040204020203" pitchFamily="34" charset="0"/>
+              </a:rPr>
+              <a:t>Api</a:t>
+            </a:r>
+            <a:endParaRPr lang="pt-BR" sz="2000" dirty="0" smtClean="0">
+              <a:latin typeface="Vital Light Edifier" panose="020B0502040204020203" pitchFamily="34" charset="0"/>
+              <a:cs typeface="Vital Light Edifier" panose="020B0502040204020203" pitchFamily="34" charset="0"/>
+            </a:endParaRPr>
+          </a:p>
+          <a:p>
+            <a:pPr marL="457200" indent="-457200">
+              <a:lnSpc>
+                <a:spcPct val="150000"/>
+              </a:lnSpc>
+              <a:buFont typeface="Wingdings" panose="05000000000000000000" pitchFamily="2" charset="2"/>
+              <a:buChar char="ü"/>
+            </a:pPr>
+            <a:r>
+              <a:rPr lang="pt-BR" sz="2000" dirty="0" smtClean="0">
+                <a:latin typeface="Vital Light Edifier" panose="020B0502040204020203" pitchFamily="34" charset="0"/>
+                <a:cs typeface="Vital Light Edifier" panose="020B0502040204020203" pitchFamily="34" charset="0"/>
+              </a:rPr>
+              <a:t>Contras</a:t>
+            </a:r>
+          </a:p>
+          <a:p>
+            <a:pPr marL="914400" lvl="1" indent="-457200">
+              <a:lnSpc>
+                <a:spcPct val="150000"/>
+              </a:lnSpc>
+              <a:buFont typeface="Wingdings" panose="05000000000000000000" pitchFamily="2" charset="2"/>
+              <a:buChar char="ü"/>
+            </a:pPr>
+            <a:r>
+              <a:rPr lang="pt-BR" sz="2000" dirty="0" smtClean="0">
+                <a:latin typeface="Vital Light Edifier" panose="020B0502040204020203" pitchFamily="34" charset="0"/>
+                <a:cs typeface="Vital Light Edifier" panose="020B0502040204020203" pitchFamily="34" charset="0"/>
+              </a:rPr>
+              <a:t>Risco de alteração de um script derrubar a aplicação inteira</a:t>
+            </a:r>
+          </a:p>
+          <a:p>
+            <a:pPr marL="914400" lvl="1" indent="-457200">
+              <a:lnSpc>
+                <a:spcPct val="150000"/>
+              </a:lnSpc>
+              <a:buFont typeface="Wingdings" panose="05000000000000000000" pitchFamily="2" charset="2"/>
+              <a:buChar char="ü"/>
+            </a:pPr>
+            <a:r>
+              <a:rPr lang="pt-BR" sz="2000" dirty="0" smtClean="0">
+                <a:latin typeface="Vital Light Edifier" panose="020B0502040204020203" pitchFamily="34" charset="0"/>
+                <a:cs typeface="Vital Light Edifier" panose="020B0502040204020203" pitchFamily="34" charset="0"/>
+              </a:rPr>
+              <a:t>Curva de aprendizado razoável (fácil – </a:t>
+            </a:r>
+            <a:r>
+              <a:rPr lang="pt-BR" sz="2000" b="1" dirty="0" smtClean="0">
+                <a:latin typeface="Vital Light Edifier" panose="020B0502040204020203" pitchFamily="34" charset="0"/>
+                <a:cs typeface="Vital Light Edifier" panose="020B0502040204020203" pitchFamily="34" charset="0"/>
+              </a:rPr>
+              <a:t>razoável</a:t>
+            </a:r>
+            <a:r>
+              <a:rPr lang="pt-BR" sz="2000" dirty="0" smtClean="0">
+                <a:latin typeface="Vital Light Edifier" panose="020B0502040204020203" pitchFamily="34" charset="0"/>
+                <a:cs typeface="Vital Light Edifier" panose="020B0502040204020203" pitchFamily="34" charset="0"/>
+              </a:rPr>
+              <a:t> – difícil)</a:t>
+            </a:r>
+            <a:endParaRPr lang="pt-BR" sz="2000" dirty="0">
+              <a:latin typeface="Vital Light Edifier" panose="020B0502040204020203" pitchFamily="34" charset="0"/>
+              <a:cs typeface="Vital Light Edifier" panose="020B0502040204020203" pitchFamily="34" charset="0"/>
+            </a:endParaRPr>
+          </a:p>
+          <a:p>
+            <a:pPr>
+              <a:lnSpc>
+                <a:spcPct val="150000"/>
+              </a:lnSpc>
+            </a:pPr>
+            <a:endParaRPr lang="pt-BR" sz="2000" b="1" dirty="0">
+              <a:latin typeface="Vital Light Edifier" panose="020B0502040204020203" pitchFamily="34" charset="0"/>
+              <a:cs typeface="Vital Light Edifier" panose="020B0502040204020203" pitchFamily="34" charset="0"/>
+            </a:endParaRPr>
+          </a:p>
         </p:txBody>
       </p:sp>
+      <p:pic>
+        <p:nvPicPr>
+          <p:cNvPr id="5122" name="Picture 2"/>
+          <p:cNvPicPr>
+            <a:picLocks noChangeAspect="1" noChangeArrowheads="1"/>
+          </p:cNvPicPr>
+          <p:nvPr/>
+        </p:nvPicPr>
+        <p:blipFill>
+          <a:blip r:embed="rId2">
+            <a:extLst>
+              <a:ext uri="{28A0092B-C50C-407E-A947-70E740481C1C}">
+                <a14:useLocalDpi xmlns:a14="http://schemas.microsoft.com/office/drawing/2010/main" val="0"/>
+              </a:ext>
+            </a:extLst>
+          </a:blip>
+          <a:srcRect/>
+          <a:stretch>
+            <a:fillRect/>
+          </a:stretch>
+        </p:blipFill>
+        <p:spPr bwMode="auto">
+          <a:xfrm>
+            <a:off x="2123728" y="5499030"/>
+            <a:ext cx="4219575" cy="628650"/>
+          </a:xfrm>
+          <a:prstGeom prst="rect">
+            <a:avLst/>
+          </a:prstGeom>
+          <a:noFill/>
+          <a:ln>
+            <a:noFill/>
+          </a:ln>
+          <a:extLst>
+            <a:ext uri="{909E8E84-426E-40DD-AFC4-6F175D3DCCD1}">
+              <a14:hiddenFill xmlns:a14="http://schemas.microsoft.com/office/drawing/2010/main">
+                <a:solidFill>
+                  <a:schemeClr val="accent1"/>
+                </a:solidFill>
+              </a14:hiddenFill>
+            </a:ext>
+            <a:ext uri="{91240B29-F687-4F45-9708-019B960494DF}">
+              <a14:hiddenLine xmlns:a14="http://schemas.microsoft.com/office/drawing/2010/main" w="9525">
+                <a:solidFill>
+                  <a:schemeClr val="tx1"/>
+                </a:solidFill>
+                <a:miter lim="800000"/>
+                <a:headEnd/>
+                <a:tailEnd/>
+              </a14:hiddenLine>
+            </a:ext>
+          </a:extLst>
+        </p:spPr>
+      </p:pic>
     </p:spTree>
     <p:extLst>
       <p:ext uri="{BB962C8B-B14F-4D97-AF65-F5344CB8AC3E}">
-        <p14:creationId xmlns:p14="http://schemas.microsoft.com/office/powerpoint/2010/main" val="1963175836"/>
+        <p14:creationId xmlns:p14="http://schemas.microsoft.com/office/powerpoint/2010/main" val="1668667618"/>
       </p:ext>
     </p:extLst>
   </p:cSld>
@@ -3550,7 +6074,7 @@
   </p:clrMapOvr>
   <mc:AlternateContent xmlns:mc="http://schemas.openxmlformats.org/markup-compatibility/2006" xmlns:p14="http://schemas.microsoft.com/office/powerpoint/2010/main">
     <mc:Choice Requires="p14">
-      <p:transition spd="slow" p14:dur="1250">
+      <p:transition spd="slow" p14:dur="800">
         <p14:flythrough dir="out"/>
       </p:transition>
     </mc:Choice>
@@ -3853,4 +6377,289 @@
   <a:objectDefaults/>
   <a:extraClrSchemeLst/>
 </a:theme>
+</file>
+
+<file path=ppt/theme/theme2.xml><?xml version="1.0" encoding="utf-8"?>
+<a:theme xmlns:a="http://schemas.openxmlformats.org/drawingml/2006/main" name="Tema do Office">
+  <a:themeElements>
+    <a:clrScheme name="Escritório">
+      <a:dk1>
+        <a:sysClr val="windowText" lastClr="000000"/>
+      </a:dk1>
+      <a:lt1>
+        <a:sysClr val="window" lastClr="FFFFFF"/>
+      </a:lt1>
+      <a:dk2>
+        <a:srgbClr val="1F497D"/>
+      </a:dk2>
+      <a:lt2>
+        <a:srgbClr val="EEECE1"/>
+      </a:lt2>
+      <a:accent1>
+        <a:srgbClr val="4F81BD"/>
+      </a:accent1>
+      <a:accent2>
+        <a:srgbClr val="C0504D"/>
+      </a:accent2>
+      <a:accent3>
+        <a:srgbClr val="9BBB59"/>
+      </a:accent3>
+      <a:accent4>
+        <a:srgbClr val="8064A2"/>
+      </a:accent4>
+      <a:accent5>
+        <a:srgbClr val="4BACC6"/>
+      </a:accent5>
+      <a:accent6>
+        <a:srgbClr val="F79646"/>
+      </a:accent6>
+      <a:hlink>
+        <a:srgbClr val="0000FF"/>
+      </a:hlink>
+      <a:folHlink>
+        <a:srgbClr val="800080"/>
+      </a:folHlink>
+    </a:clrScheme>
+    <a:fontScheme name="Escritório">
+      <a:majorFont>
+        <a:latin typeface="Calibri"/>
+        <a:ea typeface=""/>
+        <a:cs typeface=""/>
+        <a:font script="Jpan" typeface="ＭＳ Ｐゴシック"/>
+        <a:font script="Hang" typeface="맑은 고딕"/>
+        <a:font script="Hans" typeface="宋体"/>
+        <a:font script="Hant" typeface="新細明體"/>
+        <a:font script="Arab" typeface="Times New Roman"/>
+        <a:font script="Hebr" typeface="Times New Roman"/>
+        <a:font script="Thai" typeface="Angsana New"/>
+        <a:font script="Ethi" typeface="Nyala"/>
+        <a:font script="Beng" typeface="Vrinda"/>
+        <a:font script="Gujr" typeface="Shruti"/>
+        <a:font script="Khmr" typeface="MoolBoran"/>
+        <a:font script="Knda" typeface="Tunga"/>
+        <a:font script="Guru" typeface="Raavi"/>
+        <a:font script="Cans" typeface="Euphemia"/>
+        <a:font script="Cher" typeface="Plantagenet Cherokee"/>
+        <a:font script="Yiii" typeface="Microsoft Yi Baiti"/>
+        <a:font script="Tibt" typeface="Microsoft Himalaya"/>
+        <a:font script="Thaa" typeface="MV Boli"/>
+        <a:font script="Deva" typeface="Mangal"/>
+        <a:font script="Telu" typeface="Gautami"/>
+        <a:font script="Taml" typeface="Latha"/>
+        <a:font script="Syrc" typeface="Estrangelo Edessa"/>
+        <a:font script="Orya" typeface="Kalinga"/>
+        <a:font script="Mlym" typeface="Kartika"/>
+        <a:font script="Laoo" typeface="DokChampa"/>
+        <a:font script="Sinh" typeface="Iskoola Pota"/>
+        <a:font script="Mong" typeface="Mongolian Baiti"/>
+        <a:font script="Viet" typeface="Times New Roman"/>
+        <a:font script="Uigh" typeface="Microsoft Uighur"/>
+        <a:font script="Geor" typeface="Sylfaen"/>
+      </a:majorFont>
+      <a:minorFont>
+        <a:latin typeface="Calibri"/>
+        <a:ea typeface=""/>
+        <a:cs typeface=""/>
+        <a:font script="Jpan" typeface="ＭＳ Ｐゴシック"/>
+        <a:font script="Hang" typeface="맑은 고딕"/>
+        <a:font script="Hans" typeface="宋体"/>
+        <a:font script="Hant" typeface="新細明體"/>
+        <a:font script="Arab" typeface="Arial"/>
+        <a:font script="Hebr" typeface="Arial"/>
+        <a:font script="Thai" typeface="Cordia New"/>
+        <a:font script="Ethi" typeface="Nyala"/>
+        <a:font script="Beng" typeface="Vrinda"/>
+        <a:font script="Gujr" typeface="Shruti"/>
+        <a:font script="Khmr" typeface="DaunPenh"/>
+        <a:font script="Knda" typeface="Tunga"/>
+        <a:font script="Guru" typeface="Raavi"/>
+        <a:font script="Cans" typeface="Euphemia"/>
+        <a:font script="Cher" typeface="Plantagenet Cherokee"/>
+        <a:font script="Yiii" typeface="Microsoft Yi Baiti"/>
+        <a:font script="Tibt" typeface="Microsoft Himalaya"/>
+        <a:font script="Thaa" typeface="MV Boli"/>
+        <a:font script="Deva" typeface="Mangal"/>
+        <a:font script="Telu" typeface="Gautami"/>
+        <a:font script="Taml" typeface="Latha"/>
+        <a:font script="Syrc" typeface="Estrangelo Edessa"/>
+        <a:font script="Orya" typeface="Kalinga"/>
+        <a:font script="Mlym" typeface="Kartika"/>
+        <a:font script="Laoo" typeface="DokChampa"/>
+        <a:font script="Sinh" typeface="Iskoola Pota"/>
+        <a:font script="Mong" typeface="Mongolian Baiti"/>
+        <a:font script="Viet" typeface="Arial"/>
+        <a:font script="Uigh" typeface="Microsoft Uighur"/>
+        <a:font script="Geor" typeface="Sylfaen"/>
+      </a:minorFont>
+    </a:fontScheme>
+    <a:fmtScheme name="Escritório">
+      <a:fillStyleLst>
+        <a:solidFill>
+          <a:schemeClr val="phClr"/>
+        </a:solidFill>
+        <a:gradFill rotWithShape="1">
+          <a:gsLst>
+            <a:gs pos="0">
+              <a:schemeClr val="phClr">
+                <a:tint val="50000"/>
+                <a:satMod val="300000"/>
+              </a:schemeClr>
+            </a:gs>
+            <a:gs pos="35000">
+              <a:schemeClr val="phClr">
+                <a:tint val="37000"/>
+                <a:satMod val="300000"/>
+              </a:schemeClr>
+            </a:gs>
+            <a:gs pos="100000">
+              <a:schemeClr val="phClr">
+                <a:tint val="15000"/>
+                <a:satMod val="350000"/>
+              </a:schemeClr>
+            </a:gs>
+          </a:gsLst>
+          <a:lin ang="16200000" scaled="1"/>
+        </a:gradFill>
+        <a:gradFill rotWithShape="1">
+          <a:gsLst>
+            <a:gs pos="0">
+              <a:schemeClr val="phClr">
+                <a:shade val="51000"/>
+                <a:satMod val="130000"/>
+              </a:schemeClr>
+            </a:gs>
+            <a:gs pos="80000">
+              <a:schemeClr val="phClr">
+                <a:shade val="93000"/>
+                <a:satMod val="130000"/>
+              </a:schemeClr>
+            </a:gs>
+            <a:gs pos="100000">
+              <a:schemeClr val="phClr">
+                <a:shade val="94000"/>
+                <a:satMod val="135000"/>
+              </a:schemeClr>
+            </a:gs>
+          </a:gsLst>
+          <a:lin ang="16200000" scaled="0"/>
+        </a:gradFill>
+      </a:fillStyleLst>
+      <a:lnStyleLst>
+        <a:ln w="9525" cap="flat" cmpd="sng" algn="ctr">
+          <a:solidFill>
+            <a:schemeClr val="phClr">
+              <a:shade val="95000"/>
+              <a:satMod val="105000"/>
+            </a:schemeClr>
+          </a:solidFill>
+          <a:prstDash val="solid"/>
+        </a:ln>
+        <a:ln w="25400" cap="flat" cmpd="sng" algn="ctr">
+          <a:solidFill>
+            <a:schemeClr val="phClr"/>
+          </a:solidFill>
+          <a:prstDash val="solid"/>
+        </a:ln>
+        <a:ln w="38100" cap="flat" cmpd="sng" algn="ctr">
+          <a:solidFill>
+            <a:schemeClr val="phClr"/>
+          </a:solidFill>
+          <a:prstDash val="solid"/>
+        </a:ln>
+      </a:lnStyleLst>
+      <a:effectStyleLst>
+        <a:effectStyle>
+          <a:effectLst>
+            <a:outerShdw blurRad="40000" dist="20000" dir="5400000" rotWithShape="0">
+              <a:srgbClr val="000000">
+                <a:alpha val="38000"/>
+              </a:srgbClr>
+            </a:outerShdw>
+          </a:effectLst>
+        </a:effectStyle>
+        <a:effectStyle>
+          <a:effectLst>
+            <a:outerShdw blurRad="40000" dist="23000" dir="5400000" rotWithShape="0">
+              <a:srgbClr val="000000">
+                <a:alpha val="35000"/>
+              </a:srgbClr>
+            </a:outerShdw>
+          </a:effectLst>
+        </a:effectStyle>
+        <a:effectStyle>
+          <a:effectLst>
+            <a:outerShdw blurRad="40000" dist="23000" dir="5400000" rotWithShape="0">
+              <a:srgbClr val="000000">
+                <a:alpha val="35000"/>
+              </a:srgbClr>
+            </a:outerShdw>
+          </a:effectLst>
+          <a:scene3d>
+            <a:camera prst="orthographicFront">
+              <a:rot lat="0" lon="0" rev="0"/>
+            </a:camera>
+            <a:lightRig rig="threePt" dir="t">
+              <a:rot lat="0" lon="0" rev="1200000"/>
+            </a:lightRig>
+          </a:scene3d>
+          <a:sp3d>
+            <a:bevelT w="63500" h="25400"/>
+          </a:sp3d>
+        </a:effectStyle>
+      </a:effectStyleLst>
+      <a:bgFillStyleLst>
+        <a:solidFill>
+          <a:schemeClr val="phClr"/>
+        </a:solidFill>
+        <a:gradFill rotWithShape="1">
+          <a:gsLst>
+            <a:gs pos="0">
+              <a:schemeClr val="phClr">
+                <a:tint val="40000"/>
+                <a:satMod val="350000"/>
+              </a:schemeClr>
+            </a:gs>
+            <a:gs pos="40000">
+              <a:schemeClr val="phClr">
+                <a:tint val="45000"/>
+                <a:shade val="99000"/>
+                <a:satMod val="350000"/>
+              </a:schemeClr>
+            </a:gs>
+            <a:gs pos="100000">
+              <a:schemeClr val="phClr">
+                <a:shade val="20000"/>
+                <a:satMod val="255000"/>
+              </a:schemeClr>
+            </a:gs>
+          </a:gsLst>
+          <a:path path="circle">
+            <a:fillToRect l="50000" t="-80000" r="50000" b="180000"/>
+          </a:path>
+        </a:gradFill>
+        <a:gradFill rotWithShape="1">
+          <a:gsLst>
+            <a:gs pos="0">
+              <a:schemeClr val="phClr">
+                <a:tint val="80000"/>
+                <a:satMod val="300000"/>
+              </a:schemeClr>
+            </a:gs>
+            <a:gs pos="100000">
+              <a:schemeClr val="phClr">
+                <a:shade val="30000"/>
+                <a:satMod val="200000"/>
+              </a:schemeClr>
+            </a:gs>
+          </a:gsLst>
+          <a:path path="circle">
+            <a:fillToRect l="50000" t="50000" r="50000" b="50000"/>
+          </a:path>
+        </a:gradFill>
+      </a:bgFillStyleLst>
+    </a:fmtScheme>
+  </a:themeElements>
+  <a:objectDefaults/>
+  <a:extraClrSchemeLst/>
+</a:theme>
 </file>